--- a/_SLIDES/2020/H5- Beslissingen/H5_beslissingen deel 2_switch_enum.pptx
+++ b/_SLIDES/2020/H5- Beslissingen/H5_beslissingen deel 2_switch_enum.pptx
@@ -5,7 +5,7 @@
     <p:sldMasterId id="2147483660" r:id="rId1"/>
   </p:sldMasterIdLst>
   <p:notesMasterIdLst>
-    <p:notesMasterId r:id="rId35"/>
+    <p:notesMasterId r:id="rId37"/>
   </p:notesMasterIdLst>
   <p:sldIdLst>
     <p:sldId id="317" r:id="rId2"/>
@@ -18,64 +18,66 @@
     <p:sldId id="324" r:id="rId9"/>
     <p:sldId id="325" r:id="rId10"/>
     <p:sldId id="326" r:id="rId11"/>
-    <p:sldId id="334" r:id="rId12"/>
-    <p:sldId id="258" r:id="rId13"/>
-    <p:sldId id="259" r:id="rId14"/>
-    <p:sldId id="262" r:id="rId15"/>
-    <p:sldId id="260" r:id="rId16"/>
-    <p:sldId id="261" r:id="rId17"/>
-    <p:sldId id="333" r:id="rId18"/>
-    <p:sldId id="335" r:id="rId19"/>
-    <p:sldId id="327" r:id="rId20"/>
-    <p:sldId id="269" r:id="rId21"/>
-    <p:sldId id="328" r:id="rId22"/>
-    <p:sldId id="329" r:id="rId23"/>
-    <p:sldId id="330" r:id="rId24"/>
-    <p:sldId id="331" r:id="rId25"/>
-    <p:sldId id="332" r:id="rId26"/>
-    <p:sldId id="270" r:id="rId27"/>
-    <p:sldId id="271" r:id="rId28"/>
-    <p:sldId id="272" r:id="rId29"/>
-    <p:sldId id="264" r:id="rId30"/>
-    <p:sldId id="265" r:id="rId31"/>
-    <p:sldId id="266" r:id="rId32"/>
-    <p:sldId id="267" r:id="rId33"/>
-    <p:sldId id="268" r:id="rId34"/>
+    <p:sldId id="336" r:id="rId12"/>
+    <p:sldId id="334" r:id="rId13"/>
+    <p:sldId id="258" r:id="rId14"/>
+    <p:sldId id="259" r:id="rId15"/>
+    <p:sldId id="262" r:id="rId16"/>
+    <p:sldId id="260" r:id="rId17"/>
+    <p:sldId id="261" r:id="rId18"/>
+    <p:sldId id="333" r:id="rId19"/>
+    <p:sldId id="337" r:id="rId20"/>
+    <p:sldId id="335" r:id="rId21"/>
+    <p:sldId id="327" r:id="rId22"/>
+    <p:sldId id="269" r:id="rId23"/>
+    <p:sldId id="328" r:id="rId24"/>
+    <p:sldId id="329" r:id="rId25"/>
+    <p:sldId id="330" r:id="rId26"/>
+    <p:sldId id="331" r:id="rId27"/>
+    <p:sldId id="332" r:id="rId28"/>
+    <p:sldId id="270" r:id="rId29"/>
+    <p:sldId id="271" r:id="rId30"/>
+    <p:sldId id="272" r:id="rId31"/>
+    <p:sldId id="264" r:id="rId32"/>
+    <p:sldId id="265" r:id="rId33"/>
+    <p:sldId id="266" r:id="rId34"/>
+    <p:sldId id="267" r:id="rId35"/>
+    <p:sldId id="268" r:id="rId36"/>
   </p:sldIdLst>
   <p:sldSz cx="12192000" cy="6858000"/>
   <p:notesSz cx="6858000" cy="9144000"/>
   <p:embeddedFontLst>
     <p:embeddedFont>
       <p:font typeface="Archivo Narrow" panose="020B0506020202020B04" pitchFamily="34" charset="0"/>
-      <p:regular r:id="rId36"/>
-      <p:bold r:id="rId37"/>
-      <p:italic r:id="rId38"/>
+      <p:regular r:id="rId38"/>
+      <p:bold r:id="rId39"/>
+      <p:italic r:id="rId40"/>
     </p:embeddedFont>
     <p:embeddedFont>
       <p:font typeface="Blogger Sans" panose="02000506030000020004" pitchFamily="50" charset="0"/>
-      <p:regular r:id="rId39"/>
-      <p:bold r:id="rId40"/>
+      <p:regular r:id="rId41"/>
+      <p:bold r:id="rId42"/>
     </p:embeddedFont>
     <p:embeddedFont>
       <p:font typeface="Calibri" panose="020F0502020204030204" pitchFamily="34" charset="0"/>
-      <p:regular r:id="rId41"/>
-      <p:bold r:id="rId42"/>
-      <p:italic r:id="rId43"/>
-      <p:boldItalic r:id="rId44"/>
+      <p:regular r:id="rId43"/>
+      <p:bold r:id="rId44"/>
+      <p:italic r:id="rId45"/>
+      <p:boldItalic r:id="rId46"/>
     </p:embeddedFont>
     <p:embeddedFont>
       <p:font typeface="Consolas" panose="020B0609020204030204" pitchFamily="49" charset="0"/>
-      <p:regular r:id="rId45"/>
-      <p:bold r:id="rId46"/>
-      <p:italic r:id="rId47"/>
-      <p:boldItalic r:id="rId48"/>
+      <p:regular r:id="rId47"/>
+      <p:bold r:id="rId48"/>
+      <p:italic r:id="rId49"/>
+      <p:boldItalic r:id="rId50"/>
     </p:embeddedFont>
     <p:embeddedFont>
       <p:font typeface="Times" panose="02020603050405020304" pitchFamily="18" charset="0"/>
-      <p:regular r:id="rId49"/>
-      <p:bold r:id="rId50"/>
-      <p:italic r:id="rId51"/>
-      <p:boldItalic r:id="rId52"/>
+      <p:regular r:id="rId51"/>
+      <p:bold r:id="rId52"/>
+      <p:italic r:id="rId53"/>
+      <p:boldItalic r:id="rId54"/>
     </p:embeddedFont>
   </p:embeddedFontLst>
   <p:defaultTextStyle>
@@ -3101,7 +3103,7 @@
           <a:p>
             <a:fld id="{AAB1E9D1-C262-4CF5-AED2-7DBFF7C74527}" type="datetimeFigureOut">
               <a:rPr lang="nl-BE" smtClean="0"/>
-              <a:t>14/09/2020</a:t>
+              <a:t>30/09/2020</a:t>
             </a:fld>
             <a:endParaRPr lang="nl-BE"/>
           </a:p>
@@ -3624,7 +3626,7 @@
           <a:p>
             <a:fld id="{0ACA1FBD-47B4-4488-BD47-6CB0720E0297}" type="datetime1">
               <a:rPr lang="nl-BE" smtClean="0"/>
-              <a:t>14/09/2020</a:t>
+              <a:t>30/09/2020</a:t>
             </a:fld>
             <a:endParaRPr lang="nl-BE"/>
           </a:p>
@@ -3920,7 +3922,7 @@
           <a:p>
             <a:fld id="{D3E55A25-578D-4EF4-A255-25FDA8829775}" type="datetime1">
               <a:rPr lang="nl-BE" smtClean="0"/>
-              <a:t>14/09/2020</a:t>
+              <a:t>30/09/2020</a:t>
             </a:fld>
             <a:endParaRPr lang="nl-BE"/>
           </a:p>
@@ -4133,7 +4135,7 @@
           <a:p>
             <a:fld id="{6B22F963-C8FA-48C7-A082-346FA433759F}" type="datetime1">
               <a:rPr lang="nl-BE" smtClean="0"/>
-              <a:t>14/09/2020</a:t>
+              <a:t>30/09/2020</a:t>
             </a:fld>
             <a:endParaRPr lang="nl-BE"/>
           </a:p>
@@ -4366,7 +4368,7 @@
           <a:p>
             <a:fld id="{0262BAC2-6684-4A11-9F7A-0B6154F36F6E}" type="datetime1">
               <a:rPr lang="nl-BE" smtClean="0"/>
-              <a:t>14/09/2020</a:t>
+              <a:t>30/09/2020</a:t>
             </a:fld>
             <a:endParaRPr lang="nl-BE"/>
           </a:p>
@@ -4645,7 +4647,7 @@
           <a:p>
             <a:fld id="{689A1FCF-51A9-4177-B492-1E8DB0E4A664}" type="datetime1">
               <a:rPr lang="nl-BE" smtClean="0"/>
-              <a:t>14/09/2020</a:t>
+              <a:t>30/09/2020</a:t>
             </a:fld>
             <a:endParaRPr lang="nl-BE"/>
           </a:p>
@@ -4916,7 +4918,7 @@
           <a:p>
             <a:fld id="{97D9AD4E-11A4-4C3C-B8A1-DEA1BE3C0057}" type="datetime1">
               <a:rPr lang="nl-BE" smtClean="0"/>
-              <a:t>14/09/2020</a:t>
+              <a:t>30/09/2020</a:t>
             </a:fld>
             <a:endParaRPr lang="nl-BE"/>
           </a:p>
@@ -5334,7 +5336,7 @@
           <a:p>
             <a:fld id="{9822E314-152D-4D03-8132-D8D5576A9F67}" type="datetime1">
               <a:rPr lang="nl-BE" smtClean="0"/>
-              <a:t>14/09/2020</a:t>
+              <a:t>30/09/2020</a:t>
             </a:fld>
             <a:endParaRPr lang="nl-BE"/>
           </a:p>
@@ -5479,7 +5481,7 @@
           <a:p>
             <a:fld id="{147DF889-4B31-4580-AE99-CD5E3DD38E85}" type="datetime1">
               <a:rPr lang="nl-BE" smtClean="0"/>
-              <a:t>14/09/2020</a:t>
+              <a:t>30/09/2020</a:t>
             </a:fld>
             <a:endParaRPr lang="nl-BE"/>
           </a:p>
@@ -5595,7 +5597,7 @@
           <a:p>
             <a:fld id="{03A85496-3DD3-4715-AC6C-0464B99FE0D5}" type="datetime1">
               <a:rPr lang="nl-BE" smtClean="0"/>
-              <a:t>14/09/2020</a:t>
+              <a:t>30/09/2020</a:t>
             </a:fld>
             <a:endParaRPr lang="nl-BE"/>
           </a:p>
@@ -5911,7 +5913,7 @@
           <a:p>
             <a:fld id="{062779EC-CAE5-4013-AF76-2490B23BEE38}" type="datetime1">
               <a:rPr lang="nl-BE" smtClean="0"/>
-              <a:t>14/09/2020</a:t>
+              <a:t>30/09/2020</a:t>
             </a:fld>
             <a:endParaRPr lang="nl-BE"/>
           </a:p>
@@ -6207,7 +6209,7 @@
           <a:p>
             <a:fld id="{66C2C1E5-529C-4911-9410-7F5F8FCA025F}" type="datetime1">
               <a:rPr lang="nl-BE" smtClean="0"/>
-              <a:t>14/09/2020</a:t>
+              <a:t>30/09/2020</a:t>
             </a:fld>
             <a:endParaRPr lang="nl-BE"/>
           </a:p>
@@ -6453,7 +6455,7 @@
           <a:p>
             <a:fld id="{8F6EBE83-D496-476B-ADE5-7778F30A3C38}" type="datetime1">
               <a:rPr lang="nl-BE" smtClean="0"/>
-              <a:t>14/09/2020</a:t>
+              <a:t>30/09/2020</a:t>
             </a:fld>
             <a:endParaRPr lang="nl-BE"/>
           </a:p>
@@ -7294,6 +7296,143 @@
           <p:cNvPr id="2" name="Titel 1">
             <a:extLst>
               <a:ext uri="{FF2B5EF4-FFF2-40B4-BE49-F238E27FC236}">
+                <a16:creationId xmlns:a16="http://schemas.microsoft.com/office/drawing/2014/main" id="{4D20ED59-CD53-40F0-BB51-FAC01B243228}"/>
+              </a:ext>
+            </a:extLst>
+          </p:cNvPr>
+          <p:cNvSpPr>
+            <a:spLocks noGrp="1"/>
+          </p:cNvSpPr>
+          <p:nvPr>
+            <p:ph type="title"/>
+          </p:nvPr>
+        </p:nvSpPr>
+        <p:spPr/>
+        <p:txBody>
+          <a:bodyPr/>
+          <a:lstStyle/>
+          <a:p>
+            <a:endParaRPr lang="nl-BE"/>
+          </a:p>
+        </p:txBody>
+      </p:sp>
+      <p:sp>
+        <p:nvSpPr>
+          <p:cNvPr id="3" name="Tijdelijke aanduiding voor inhoud 2">
+            <a:extLst>
+              <a:ext uri="{FF2B5EF4-FFF2-40B4-BE49-F238E27FC236}">
+                <a16:creationId xmlns:a16="http://schemas.microsoft.com/office/drawing/2014/main" id="{901EFF56-8ED7-47A8-BA42-2B303E204D32}"/>
+              </a:ext>
+            </a:extLst>
+          </p:cNvPr>
+          <p:cNvSpPr>
+            <a:spLocks noGrp="1"/>
+          </p:cNvSpPr>
+          <p:nvPr>
+            <p:ph idx="1"/>
+          </p:nvPr>
+        </p:nvSpPr>
+        <p:spPr/>
+        <p:txBody>
+          <a:bodyPr/>
+          <a:lstStyle/>
+          <a:p>
+            <a:endParaRPr lang="nl-BE"/>
+          </a:p>
+        </p:txBody>
+      </p:sp>
+      <p:sp>
+        <p:nvSpPr>
+          <p:cNvPr id="4" name="Tijdelijke aanduiding voor voettekst 3">
+            <a:extLst>
+              <a:ext uri="{FF2B5EF4-FFF2-40B4-BE49-F238E27FC236}">
+                <a16:creationId xmlns:a16="http://schemas.microsoft.com/office/drawing/2014/main" id="{7C809CA2-114A-4389-B263-79F0D01F49C3}"/>
+              </a:ext>
+            </a:extLst>
+          </p:cNvPr>
+          <p:cNvSpPr>
+            <a:spLocks noGrp="1"/>
+          </p:cNvSpPr>
+          <p:nvPr>
+            <p:ph type="ftr" sz="quarter" idx="11"/>
+          </p:nvPr>
+        </p:nvSpPr>
+        <p:spPr/>
+        <p:txBody>
+          <a:bodyPr/>
+          <a:lstStyle/>
+          <a:p>
+            <a:r>
+              <a:rPr lang="nl-BE"/>
+              <a:t>Ziescherp</a:t>
+            </a:r>
+          </a:p>
+        </p:txBody>
+      </p:sp>
+      <p:sp>
+        <p:nvSpPr>
+          <p:cNvPr id="5" name="Tijdelijke aanduiding voor dianummer 4">
+            <a:extLst>
+              <a:ext uri="{FF2B5EF4-FFF2-40B4-BE49-F238E27FC236}">
+                <a16:creationId xmlns:a16="http://schemas.microsoft.com/office/drawing/2014/main" id="{8462C56F-CD92-4BA8-A5FA-47C1F4372F80}"/>
+              </a:ext>
+            </a:extLst>
+          </p:cNvPr>
+          <p:cNvSpPr>
+            <a:spLocks noGrp="1"/>
+          </p:cNvSpPr>
+          <p:nvPr>
+            <p:ph type="sldNum" sz="quarter" idx="12"/>
+          </p:nvPr>
+        </p:nvSpPr>
+        <p:spPr/>
+        <p:txBody>
+          <a:bodyPr/>
+          <a:lstStyle/>
+          <a:p>
+            <a:fld id="{26F5612F-804E-460E-88BF-7B183C058243}" type="slidenum">
+              <a:rPr lang="nl-BE" smtClean="0"/>
+              <a:t>11</a:t>
+            </a:fld>
+            <a:endParaRPr lang="nl-BE"/>
+          </a:p>
+        </p:txBody>
+      </p:sp>
+    </p:spTree>
+    <p:extLst>
+      <p:ext uri="{BB962C8B-B14F-4D97-AF65-F5344CB8AC3E}">
+        <p14:creationId xmlns:p14="http://schemas.microsoft.com/office/powerpoint/2010/main" val="3391915430"/>
+      </p:ext>
+    </p:extLst>
+  </p:cSld>
+  <p:clrMapOvr>
+    <a:masterClrMapping/>
+  </p:clrMapOvr>
+</p:sld>
+</file>
+
+<file path=ppt/slides/slide12.xml><?xml version="1.0" encoding="utf-8"?>
+<p:sld xmlns:a="http://schemas.openxmlformats.org/drawingml/2006/main" xmlns:r="http://schemas.openxmlformats.org/officeDocument/2006/relationships" xmlns:p="http://schemas.openxmlformats.org/presentationml/2006/main">
+  <p:cSld>
+    <p:spTree>
+      <p:nvGrpSpPr>
+        <p:cNvPr id="1" name=""/>
+        <p:cNvGrpSpPr/>
+        <p:nvPr/>
+      </p:nvGrpSpPr>
+      <p:grpSpPr>
+        <a:xfrm>
+          <a:off x="0" y="0"/>
+          <a:ext cx="0" cy="0"/>
+          <a:chOff x="0" y="0"/>
+          <a:chExt cx="0" cy="0"/>
+        </a:xfrm>
+      </p:grpSpPr>
+      <p:sp>
+        <p:nvSpPr>
+          <p:cNvPr id="2" name="Titel 1">
+            <a:extLst>
+              <a:ext uri="{FF2B5EF4-FFF2-40B4-BE49-F238E27FC236}">
                 <a16:creationId xmlns:a16="http://schemas.microsoft.com/office/drawing/2014/main" id="{7AB9AF6A-D9AF-4627-ADC7-DD25649B52E0}"/>
               </a:ext>
             </a:extLst>
@@ -7401,7 +7540,7 @@
           <a:p>
             <a:fld id="{26F5612F-804E-460E-88BF-7B183C058243}" type="slidenum">
               <a:rPr lang="nl-BE" smtClean="0"/>
-              <a:t>11</a:t>
+              <a:t>12</a:t>
             </a:fld>
             <a:endParaRPr lang="nl-BE"/>
           </a:p>
@@ -7420,7 +7559,7 @@
 </p:sld>
 </file>
 
-<file path=ppt/slides/slide12.xml><?xml version="1.0" encoding="utf-8"?>
+<file path=ppt/slides/slide13.xml><?xml version="1.0" encoding="utf-8"?>
 <p:sld xmlns:a="http://schemas.openxmlformats.org/drawingml/2006/main" xmlns:r="http://schemas.openxmlformats.org/officeDocument/2006/relationships" xmlns:p="http://schemas.openxmlformats.org/presentationml/2006/main">
   <p:cSld>
     <p:spTree>
@@ -7616,7 +7755,7 @@
           <a:p>
             <a:fld id="{26F5612F-804E-460E-88BF-7B183C058243}" type="slidenum">
               <a:rPr lang="nl-BE" smtClean="0"/>
-              <a:t>12</a:t>
+              <a:t>13</a:t>
             </a:fld>
             <a:endParaRPr lang="nl-BE"/>
           </a:p>
@@ -7635,7 +7774,7 @@
 </p:sld>
 </file>
 
-<file path=ppt/slides/slide13.xml><?xml version="1.0" encoding="utf-8"?>
+<file path=ppt/slides/slide14.xml><?xml version="1.0" encoding="utf-8"?>
 <p:sld xmlns:a="http://schemas.openxmlformats.org/drawingml/2006/main" xmlns:r="http://schemas.openxmlformats.org/officeDocument/2006/relationships" xmlns:p="http://schemas.openxmlformats.org/presentationml/2006/main">
   <p:cSld>
     <p:spTree>
@@ -7918,7 +8057,7 @@
           <a:p>
             <a:fld id="{26F5612F-804E-460E-88BF-7B183C058243}" type="slidenum">
               <a:rPr lang="nl-BE" smtClean="0"/>
-              <a:t>13</a:t>
+              <a:t>14</a:t>
             </a:fld>
             <a:endParaRPr lang="nl-BE"/>
           </a:p>
@@ -7937,7 +8076,7 @@
 </p:sld>
 </file>
 
-<file path=ppt/slides/slide14.xml><?xml version="1.0" encoding="utf-8"?>
+<file path=ppt/slides/slide15.xml><?xml version="1.0" encoding="utf-8"?>
 <p:sld xmlns:a="http://schemas.openxmlformats.org/drawingml/2006/main" xmlns:r="http://schemas.openxmlformats.org/officeDocument/2006/relationships" xmlns:p="http://schemas.openxmlformats.org/presentationml/2006/main">
   <p:cSld>
     <p:spTree>
@@ -8247,7 +8386,7 @@
           <a:p>
             <a:fld id="{26F5612F-804E-460E-88BF-7B183C058243}" type="slidenum">
               <a:rPr lang="nl-BE" smtClean="0"/>
-              <a:t>14</a:t>
+              <a:t>15</a:t>
             </a:fld>
             <a:endParaRPr lang="nl-BE"/>
           </a:p>
@@ -8266,7 +8405,7 @@
 </p:sld>
 </file>
 
-<file path=ppt/slides/slide15.xml><?xml version="1.0" encoding="utf-8"?>
+<file path=ppt/slides/slide16.xml><?xml version="1.0" encoding="utf-8"?>
 <p:sld xmlns:a="http://schemas.openxmlformats.org/drawingml/2006/main" xmlns:r="http://schemas.openxmlformats.org/officeDocument/2006/relationships" xmlns:p="http://schemas.openxmlformats.org/presentationml/2006/main">
   <p:cSld>
     <p:bg>
@@ -8425,7 +8564,7 @@
           <a:p>
             <a:fld id="{26F5612F-804E-460E-88BF-7B183C058243}" type="slidenum">
               <a:rPr lang="nl-BE" smtClean="0"/>
-              <a:t>15</a:t>
+              <a:t>16</a:t>
             </a:fld>
             <a:endParaRPr lang="nl-BE"/>
           </a:p>
@@ -8444,7 +8583,7 @@
 </p:sld>
 </file>
 
-<file path=ppt/slides/slide16.xml><?xml version="1.0" encoding="utf-8"?>
+<file path=ppt/slides/slide17.xml><?xml version="1.0" encoding="utf-8"?>
 <p:sld xmlns:a="http://schemas.openxmlformats.org/drawingml/2006/main" xmlns:r="http://schemas.openxmlformats.org/officeDocument/2006/relationships" xmlns:p="http://schemas.openxmlformats.org/presentationml/2006/main">
   <p:cSld>
     <p:spTree>
@@ -8662,7 +8801,7 @@
           <a:p>
             <a:fld id="{26F5612F-804E-460E-88BF-7B183C058243}" type="slidenum">
               <a:rPr lang="nl-BE" smtClean="0"/>
-              <a:t>16</a:t>
+              <a:t>17</a:t>
             </a:fld>
             <a:endParaRPr lang="nl-BE"/>
           </a:p>
@@ -8672,723 +8811,6 @@
     <p:extLst>
       <p:ext uri="{BB962C8B-B14F-4D97-AF65-F5344CB8AC3E}">
         <p14:creationId xmlns:p14="http://schemas.microsoft.com/office/powerpoint/2010/main" val="265355625"/>
-      </p:ext>
-    </p:extLst>
-  </p:cSld>
-  <p:clrMapOvr>
-    <a:masterClrMapping/>
-  </p:clrMapOvr>
-</p:sld>
-</file>
-
-<file path=ppt/slides/slide17.xml><?xml version="1.0" encoding="utf-8"?>
-<p:sld xmlns:a="http://schemas.openxmlformats.org/drawingml/2006/main" xmlns:r="http://schemas.openxmlformats.org/officeDocument/2006/relationships" xmlns:p="http://schemas.openxmlformats.org/presentationml/2006/main">
-  <p:cSld>
-    <p:spTree>
-      <p:nvGrpSpPr>
-        <p:cNvPr id="1" name=""/>
-        <p:cNvGrpSpPr/>
-        <p:nvPr/>
-      </p:nvGrpSpPr>
-      <p:grpSpPr>
-        <a:xfrm>
-          <a:off x="0" y="0"/>
-          <a:ext cx="0" cy="0"/>
-          <a:chOff x="0" y="0"/>
-          <a:chExt cx="0" cy="0"/>
-        </a:xfrm>
-      </p:grpSpPr>
-      <p:sp>
-        <p:nvSpPr>
-          <p:cNvPr id="2" name="Titel 1">
-            <a:extLst>
-              <a:ext uri="{FF2B5EF4-FFF2-40B4-BE49-F238E27FC236}">
-                <a16:creationId xmlns:a16="http://schemas.microsoft.com/office/drawing/2014/main" id="{3BDB9EBD-5126-458D-8BF5-63011818D492}"/>
-              </a:ext>
-            </a:extLst>
-          </p:cNvPr>
-          <p:cNvSpPr>
-            <a:spLocks noGrp="1"/>
-          </p:cNvSpPr>
-          <p:nvPr>
-            <p:ph type="title"/>
-          </p:nvPr>
-        </p:nvSpPr>
-        <p:spPr/>
-        <p:txBody>
-          <a:bodyPr/>
-          <a:lstStyle/>
-          <a:p>
-            <a:r>
-              <a:rPr lang="nl-BE" dirty="0" err="1"/>
-              <a:t>Fallthrough</a:t>
-            </a:r>
-            <a:r>
-              <a:rPr lang="nl-BE" dirty="0"/>
-              <a:t> ook mogelijk</a:t>
-            </a:r>
-          </a:p>
-        </p:txBody>
-      </p:sp>
-      <p:sp>
-        <p:nvSpPr>
-          <p:cNvPr id="5" name="Rechthoek 4">
-            <a:extLst>
-              <a:ext uri="{FF2B5EF4-FFF2-40B4-BE49-F238E27FC236}">
-                <a16:creationId xmlns:a16="http://schemas.microsoft.com/office/drawing/2014/main" id="{B801AEAE-FA00-42FE-8A6F-F61FD4BEC998}"/>
-              </a:ext>
-            </a:extLst>
-          </p:cNvPr>
-          <p:cNvSpPr/>
-          <p:nvPr/>
-        </p:nvSpPr>
-        <p:spPr>
-          <a:xfrm>
-            <a:off x="941778" y="1690688"/>
-            <a:ext cx="10573092" cy="4524315"/>
-          </a:xfrm>
-          <a:prstGeom prst="rect">
-            <a:avLst/>
-          </a:prstGeom>
-        </p:spPr>
-        <p:txBody>
-          <a:bodyPr wrap="square">
-            <a:spAutoFit/>
-          </a:bodyPr>
-          <a:lstStyle/>
-          <a:p>
-            <a:r>
-              <a:rPr lang="nl-BE" dirty="0">
-                <a:solidFill>
-                  <a:srgbClr val="000000"/>
-                </a:solidFill>
-                <a:latin typeface="Consolas" panose="020B0609020204030204" pitchFamily="49" charset="0"/>
-              </a:rPr>
-              <a:t> 		  Random </a:t>
-            </a:r>
-            <a:r>
-              <a:rPr lang="nl-BE" dirty="0" err="1">
-                <a:solidFill>
-                  <a:srgbClr val="000000"/>
-                </a:solidFill>
-                <a:latin typeface="Consolas" panose="020B0609020204030204" pitchFamily="49" charset="0"/>
-              </a:rPr>
-              <a:t>rnd</a:t>
-            </a:r>
-            <a:r>
-              <a:rPr lang="nl-BE" dirty="0">
-                <a:solidFill>
-                  <a:srgbClr val="000000"/>
-                </a:solidFill>
-                <a:latin typeface="Consolas" panose="020B0609020204030204" pitchFamily="49" charset="0"/>
-              </a:rPr>
-              <a:t> = </a:t>
-            </a:r>
-            <a:r>
-              <a:rPr lang="nl-BE" dirty="0">
-                <a:solidFill>
-                  <a:srgbClr val="0000FF"/>
-                </a:solidFill>
-                <a:latin typeface="Consolas" panose="020B0609020204030204" pitchFamily="49" charset="0"/>
-              </a:rPr>
-              <a:t>new</a:t>
-            </a:r>
-            <a:r>
-              <a:rPr lang="nl-BE" dirty="0">
-                <a:solidFill>
-                  <a:srgbClr val="000000"/>
-                </a:solidFill>
-                <a:latin typeface="Consolas" panose="020B0609020204030204" pitchFamily="49" charset="0"/>
-              </a:rPr>
-              <a:t> Random();</a:t>
-            </a:r>
-          </a:p>
-          <a:p>
-            <a:r>
-              <a:rPr lang="en-US" dirty="0">
-                <a:solidFill>
-                  <a:srgbClr val="000000"/>
-                </a:solidFill>
-                <a:latin typeface="Consolas" panose="020B0609020204030204" pitchFamily="49" charset="0"/>
-              </a:rPr>
-              <a:t>                </a:t>
-            </a:r>
-            <a:r>
-              <a:rPr lang="en-US" dirty="0">
-                <a:solidFill>
-                  <a:srgbClr val="0000FF"/>
-                </a:solidFill>
-                <a:latin typeface="Consolas" panose="020B0609020204030204" pitchFamily="49" charset="0"/>
-              </a:rPr>
-              <a:t>int</a:t>
-            </a:r>
-            <a:r>
-              <a:rPr lang="en-US" dirty="0">
-                <a:solidFill>
-                  <a:srgbClr val="000000"/>
-                </a:solidFill>
-                <a:latin typeface="Consolas" panose="020B0609020204030204" pitchFamily="49" charset="0"/>
-              </a:rPr>
-              <a:t> </a:t>
-            </a:r>
-            <a:r>
-              <a:rPr lang="en-US" dirty="0" err="1">
-                <a:solidFill>
-                  <a:srgbClr val="000000"/>
-                </a:solidFill>
-                <a:latin typeface="Consolas" panose="020B0609020204030204" pitchFamily="49" charset="0"/>
-              </a:rPr>
-              <a:t>caseSwitch</a:t>
-            </a:r>
-            <a:r>
-              <a:rPr lang="en-US" dirty="0">
-                <a:solidFill>
-                  <a:srgbClr val="000000"/>
-                </a:solidFill>
-                <a:latin typeface="Consolas" panose="020B0609020204030204" pitchFamily="49" charset="0"/>
-              </a:rPr>
-              <a:t> = </a:t>
-            </a:r>
-            <a:r>
-              <a:rPr lang="en-US" dirty="0" err="1">
-                <a:solidFill>
-                  <a:srgbClr val="000000"/>
-                </a:solidFill>
-                <a:latin typeface="Consolas" panose="020B0609020204030204" pitchFamily="49" charset="0"/>
-              </a:rPr>
-              <a:t>rnd.Next</a:t>
-            </a:r>
-            <a:r>
-              <a:rPr lang="en-US" dirty="0">
-                <a:solidFill>
-                  <a:srgbClr val="000000"/>
-                </a:solidFill>
-                <a:latin typeface="Consolas" panose="020B0609020204030204" pitchFamily="49" charset="0"/>
-              </a:rPr>
-              <a:t>(1, 4);</a:t>
-            </a:r>
-          </a:p>
-          <a:p>
-            <a:endParaRPr lang="nl-BE" dirty="0">
-              <a:solidFill>
-                <a:srgbClr val="000000"/>
-              </a:solidFill>
-              <a:latin typeface="Consolas" panose="020B0609020204030204" pitchFamily="49" charset="0"/>
-            </a:endParaRPr>
-          </a:p>
-          <a:p>
-            <a:r>
-              <a:rPr lang="nl-BE" dirty="0">
-                <a:solidFill>
-                  <a:srgbClr val="000000"/>
-                </a:solidFill>
-                <a:latin typeface="Consolas" panose="020B0609020204030204" pitchFamily="49" charset="0"/>
-              </a:rPr>
-              <a:t>                </a:t>
-            </a:r>
-            <a:r>
-              <a:rPr lang="nl-BE" dirty="0">
-                <a:solidFill>
-                  <a:srgbClr val="0000FF"/>
-                </a:solidFill>
-                <a:latin typeface="Consolas" panose="020B0609020204030204" pitchFamily="49" charset="0"/>
-              </a:rPr>
-              <a:t>switch</a:t>
-            </a:r>
-            <a:r>
-              <a:rPr lang="nl-BE" dirty="0">
-                <a:solidFill>
-                  <a:srgbClr val="000000"/>
-                </a:solidFill>
-                <a:latin typeface="Consolas" panose="020B0609020204030204" pitchFamily="49" charset="0"/>
-              </a:rPr>
-              <a:t> (</a:t>
-            </a:r>
-            <a:r>
-              <a:rPr lang="nl-BE" dirty="0" err="1">
-                <a:solidFill>
-                  <a:srgbClr val="000000"/>
-                </a:solidFill>
-                <a:latin typeface="Consolas" panose="020B0609020204030204" pitchFamily="49" charset="0"/>
-              </a:rPr>
-              <a:t>caseSwitch</a:t>
-            </a:r>
-            <a:r>
-              <a:rPr lang="nl-BE" dirty="0">
-                <a:solidFill>
-                  <a:srgbClr val="000000"/>
-                </a:solidFill>
-                <a:latin typeface="Consolas" panose="020B0609020204030204" pitchFamily="49" charset="0"/>
-              </a:rPr>
-              <a:t>)</a:t>
-            </a:r>
-          </a:p>
-          <a:p>
-            <a:r>
-              <a:rPr lang="nl-BE" dirty="0">
-                <a:solidFill>
-                  <a:srgbClr val="000000"/>
-                </a:solidFill>
-                <a:latin typeface="Consolas" panose="020B0609020204030204" pitchFamily="49" charset="0"/>
-              </a:rPr>
-              <a:t>                {</a:t>
-            </a:r>
-          </a:p>
-          <a:p>
-            <a:r>
-              <a:rPr lang="nl-BE" dirty="0">
-                <a:solidFill>
-                  <a:srgbClr val="000000"/>
-                </a:solidFill>
-                <a:latin typeface="Consolas" panose="020B0609020204030204" pitchFamily="49" charset="0"/>
-              </a:rPr>
-              <a:t>                    </a:t>
-            </a:r>
-            <a:r>
-              <a:rPr lang="nl-BE" dirty="0">
-                <a:solidFill>
-                  <a:srgbClr val="0000FF"/>
-                </a:solidFill>
-                <a:latin typeface="Consolas" panose="020B0609020204030204" pitchFamily="49" charset="0"/>
-              </a:rPr>
-              <a:t>case</a:t>
-            </a:r>
-            <a:r>
-              <a:rPr lang="nl-BE" dirty="0">
-                <a:solidFill>
-                  <a:srgbClr val="000000"/>
-                </a:solidFill>
-                <a:latin typeface="Consolas" panose="020B0609020204030204" pitchFamily="49" charset="0"/>
-              </a:rPr>
-              <a:t> 1:</a:t>
-            </a:r>
-          </a:p>
-          <a:p>
-            <a:r>
-              <a:rPr lang="nl-BE" dirty="0">
-                <a:solidFill>
-                  <a:srgbClr val="000000"/>
-                </a:solidFill>
-                <a:latin typeface="Consolas" panose="020B0609020204030204" pitchFamily="49" charset="0"/>
-              </a:rPr>
-              <a:t>                        </a:t>
-            </a:r>
-            <a:r>
-              <a:rPr lang="nl-BE" dirty="0" err="1">
-                <a:solidFill>
-                  <a:srgbClr val="000000"/>
-                </a:solidFill>
-                <a:latin typeface="Consolas" panose="020B0609020204030204" pitchFamily="49" charset="0"/>
-              </a:rPr>
-              <a:t>Console.WriteLine</a:t>
-            </a:r>
-            <a:r>
-              <a:rPr lang="nl-BE" dirty="0">
-                <a:solidFill>
-                  <a:srgbClr val="000000"/>
-                </a:solidFill>
-                <a:latin typeface="Consolas" panose="020B0609020204030204" pitchFamily="49" charset="0"/>
-              </a:rPr>
-              <a:t>(</a:t>
-            </a:r>
-            <a:r>
-              <a:rPr lang="nl-BE" dirty="0">
-                <a:solidFill>
-                  <a:srgbClr val="A31515"/>
-                </a:solidFill>
-                <a:latin typeface="Consolas" panose="020B0609020204030204" pitchFamily="49" charset="0"/>
-              </a:rPr>
-              <a:t>"Gewonnen"</a:t>
-            </a:r>
-            <a:r>
-              <a:rPr lang="nl-BE" dirty="0">
-                <a:solidFill>
-                  <a:srgbClr val="000000"/>
-                </a:solidFill>
-                <a:latin typeface="Consolas" panose="020B0609020204030204" pitchFamily="49" charset="0"/>
-              </a:rPr>
-              <a:t>);</a:t>
-            </a:r>
-          </a:p>
-          <a:p>
-            <a:r>
-              <a:rPr lang="nl-BE" dirty="0">
-                <a:solidFill>
-                  <a:srgbClr val="000000"/>
-                </a:solidFill>
-                <a:latin typeface="Consolas" panose="020B0609020204030204" pitchFamily="49" charset="0"/>
-              </a:rPr>
-              <a:t>                        </a:t>
-            </a:r>
-            <a:r>
-              <a:rPr lang="nl-BE" dirty="0">
-                <a:solidFill>
-                  <a:srgbClr val="0000FF"/>
-                </a:solidFill>
-                <a:latin typeface="Consolas" panose="020B0609020204030204" pitchFamily="49" charset="0"/>
-              </a:rPr>
-              <a:t>break</a:t>
-            </a:r>
-            <a:r>
-              <a:rPr lang="nl-BE" dirty="0">
-                <a:solidFill>
-                  <a:srgbClr val="000000"/>
-                </a:solidFill>
-                <a:latin typeface="Consolas" panose="020B0609020204030204" pitchFamily="49" charset="0"/>
-              </a:rPr>
-              <a:t>;</a:t>
-            </a:r>
-          </a:p>
-          <a:p>
-            <a:r>
-              <a:rPr lang="nl-BE" dirty="0">
-                <a:solidFill>
-                  <a:srgbClr val="000000"/>
-                </a:solidFill>
-                <a:latin typeface="Consolas" panose="020B0609020204030204" pitchFamily="49" charset="0"/>
-              </a:rPr>
-              <a:t>                    </a:t>
-            </a:r>
-            <a:r>
-              <a:rPr lang="nl-BE" dirty="0">
-                <a:solidFill>
-                  <a:srgbClr val="0000FF"/>
-                </a:solidFill>
-                <a:latin typeface="Consolas" panose="020B0609020204030204" pitchFamily="49" charset="0"/>
-              </a:rPr>
-              <a:t>case</a:t>
-            </a:r>
-            <a:r>
-              <a:rPr lang="nl-BE" dirty="0">
-                <a:solidFill>
-                  <a:srgbClr val="000000"/>
-                </a:solidFill>
-                <a:latin typeface="Consolas" panose="020B0609020204030204" pitchFamily="49" charset="0"/>
-              </a:rPr>
-              <a:t> 2:</a:t>
-            </a:r>
-          </a:p>
-          <a:p>
-            <a:r>
-              <a:rPr lang="nl-BE" dirty="0">
-                <a:solidFill>
-                  <a:srgbClr val="000000"/>
-                </a:solidFill>
-                <a:latin typeface="Consolas" panose="020B0609020204030204" pitchFamily="49" charset="0"/>
-              </a:rPr>
-              <a:t>                    </a:t>
-            </a:r>
-            <a:r>
-              <a:rPr lang="nl-BE" dirty="0">
-                <a:solidFill>
-                  <a:srgbClr val="0000FF"/>
-                </a:solidFill>
-                <a:latin typeface="Consolas" panose="020B0609020204030204" pitchFamily="49" charset="0"/>
-              </a:rPr>
-              <a:t>case</a:t>
-            </a:r>
-            <a:r>
-              <a:rPr lang="nl-BE" dirty="0">
-                <a:solidFill>
-                  <a:srgbClr val="000000"/>
-                </a:solidFill>
-                <a:latin typeface="Consolas" panose="020B0609020204030204" pitchFamily="49" charset="0"/>
-              </a:rPr>
-              <a:t> 3:</a:t>
-            </a:r>
-          </a:p>
-          <a:p>
-            <a:r>
-              <a:rPr lang="nl-BE" dirty="0">
-                <a:solidFill>
-                  <a:srgbClr val="000000"/>
-                </a:solidFill>
-                <a:latin typeface="Consolas" panose="020B0609020204030204" pitchFamily="49" charset="0"/>
-              </a:rPr>
-              <a:t>                        </a:t>
-            </a:r>
-            <a:r>
-              <a:rPr lang="nl-BE" dirty="0" err="1">
-                <a:solidFill>
-                  <a:srgbClr val="000000"/>
-                </a:solidFill>
-                <a:latin typeface="Consolas" panose="020B0609020204030204" pitchFamily="49" charset="0"/>
-              </a:rPr>
-              <a:t>Console.WriteLine</a:t>
-            </a:r>
-            <a:r>
-              <a:rPr lang="nl-BE" dirty="0">
-                <a:solidFill>
-                  <a:srgbClr val="000000"/>
-                </a:solidFill>
-                <a:latin typeface="Consolas" panose="020B0609020204030204" pitchFamily="49" charset="0"/>
-              </a:rPr>
-              <a:t>(</a:t>
-            </a:r>
-            <a:r>
-              <a:rPr lang="nl-BE" dirty="0">
-                <a:solidFill>
-                  <a:srgbClr val="A31515"/>
-                </a:solidFill>
-                <a:latin typeface="Consolas" panose="020B0609020204030204" pitchFamily="49" charset="0"/>
-              </a:rPr>
-              <a:t>$"Niet gewonnen"</a:t>
-            </a:r>
-            <a:r>
-              <a:rPr lang="nl-BE" dirty="0">
-                <a:solidFill>
-                  <a:srgbClr val="000000"/>
-                </a:solidFill>
-                <a:latin typeface="Consolas" panose="020B0609020204030204" pitchFamily="49" charset="0"/>
-              </a:rPr>
-              <a:t>);</a:t>
-            </a:r>
-          </a:p>
-          <a:p>
-            <a:r>
-              <a:rPr lang="nl-BE" dirty="0">
-                <a:solidFill>
-                  <a:srgbClr val="000000"/>
-                </a:solidFill>
-                <a:latin typeface="Consolas" panose="020B0609020204030204" pitchFamily="49" charset="0"/>
-              </a:rPr>
-              <a:t>                        </a:t>
-            </a:r>
-            <a:r>
-              <a:rPr lang="nl-BE" dirty="0">
-                <a:solidFill>
-                  <a:srgbClr val="0000FF"/>
-                </a:solidFill>
-                <a:latin typeface="Consolas" panose="020B0609020204030204" pitchFamily="49" charset="0"/>
-              </a:rPr>
-              <a:t>break</a:t>
-            </a:r>
-            <a:r>
-              <a:rPr lang="nl-BE" dirty="0">
-                <a:solidFill>
-                  <a:srgbClr val="000000"/>
-                </a:solidFill>
-                <a:latin typeface="Consolas" panose="020B0609020204030204" pitchFamily="49" charset="0"/>
-              </a:rPr>
-              <a:t>;</a:t>
-            </a:r>
-          </a:p>
-          <a:p>
-            <a:r>
-              <a:rPr lang="nl-BE" dirty="0">
-                <a:solidFill>
-                  <a:srgbClr val="000000"/>
-                </a:solidFill>
-                <a:latin typeface="Consolas" panose="020B0609020204030204" pitchFamily="49" charset="0"/>
-              </a:rPr>
-              <a:t>                    </a:t>
-            </a:r>
-            <a:r>
-              <a:rPr lang="nl-BE" dirty="0">
-                <a:solidFill>
-                  <a:srgbClr val="0000FF"/>
-                </a:solidFill>
-                <a:latin typeface="Consolas" panose="020B0609020204030204" pitchFamily="49" charset="0"/>
-              </a:rPr>
-              <a:t>default</a:t>
-            </a:r>
-            <a:r>
-              <a:rPr lang="nl-BE" dirty="0">
-                <a:solidFill>
-                  <a:srgbClr val="000000"/>
-                </a:solidFill>
-                <a:latin typeface="Consolas" panose="020B0609020204030204" pitchFamily="49" charset="0"/>
-              </a:rPr>
-              <a:t>:</a:t>
-            </a:r>
-          </a:p>
-          <a:p>
-            <a:r>
-              <a:rPr lang="en-US" dirty="0">
-                <a:solidFill>
-                  <a:srgbClr val="000000"/>
-                </a:solidFill>
-                <a:latin typeface="Consolas" panose="020B0609020204030204" pitchFamily="49" charset="0"/>
-              </a:rPr>
-              <a:t>                        </a:t>
-            </a:r>
-            <a:r>
-              <a:rPr lang="en-US" dirty="0" err="1">
-                <a:solidFill>
-                  <a:srgbClr val="000000"/>
-                </a:solidFill>
-                <a:latin typeface="Consolas" panose="020B0609020204030204" pitchFamily="49" charset="0"/>
-              </a:rPr>
-              <a:t>Console.WriteLine</a:t>
-            </a:r>
-            <a:r>
-              <a:rPr lang="en-US" dirty="0">
-                <a:solidFill>
-                  <a:srgbClr val="000000"/>
-                </a:solidFill>
-                <a:latin typeface="Consolas" panose="020B0609020204030204" pitchFamily="49" charset="0"/>
-              </a:rPr>
-              <a:t>(</a:t>
-            </a:r>
-            <a:r>
-              <a:rPr lang="en-US" dirty="0">
-                <a:solidFill>
-                  <a:srgbClr val="A31515"/>
-                </a:solidFill>
-                <a:latin typeface="Consolas" panose="020B0609020204030204" pitchFamily="49" charset="0"/>
-              </a:rPr>
-              <a:t>$"An unexpected value (</a:t>
-            </a:r>
-            <a:r>
-              <a:rPr lang="en-US" dirty="0">
-                <a:solidFill>
-                  <a:srgbClr val="000000"/>
-                </a:solidFill>
-                <a:latin typeface="Consolas" panose="020B0609020204030204" pitchFamily="49" charset="0"/>
-              </a:rPr>
-              <a:t>{</a:t>
-            </a:r>
-            <a:r>
-              <a:rPr lang="en-US" dirty="0" err="1">
-                <a:solidFill>
-                  <a:srgbClr val="000000"/>
-                </a:solidFill>
-                <a:latin typeface="Consolas" panose="020B0609020204030204" pitchFamily="49" charset="0"/>
-              </a:rPr>
-              <a:t>caseSwitch</a:t>
-            </a:r>
-            <a:r>
-              <a:rPr lang="en-US" dirty="0">
-                <a:solidFill>
-                  <a:srgbClr val="000000"/>
-                </a:solidFill>
-                <a:latin typeface="Consolas" panose="020B0609020204030204" pitchFamily="49" charset="0"/>
-              </a:rPr>
-              <a:t>}</a:t>
-            </a:r>
-            <a:r>
-              <a:rPr lang="en-US" dirty="0">
-                <a:solidFill>
-                  <a:srgbClr val="A31515"/>
-                </a:solidFill>
-                <a:latin typeface="Consolas" panose="020B0609020204030204" pitchFamily="49" charset="0"/>
-              </a:rPr>
-              <a:t>)"</a:t>
-            </a:r>
-            <a:r>
-              <a:rPr lang="en-US" dirty="0">
-                <a:solidFill>
-                  <a:srgbClr val="000000"/>
-                </a:solidFill>
-                <a:latin typeface="Consolas" panose="020B0609020204030204" pitchFamily="49" charset="0"/>
-              </a:rPr>
-              <a:t>);</a:t>
-            </a:r>
-          </a:p>
-          <a:p>
-            <a:r>
-              <a:rPr lang="nl-BE" dirty="0">
-                <a:solidFill>
-                  <a:srgbClr val="000000"/>
-                </a:solidFill>
-                <a:latin typeface="Consolas" panose="020B0609020204030204" pitchFamily="49" charset="0"/>
-              </a:rPr>
-              <a:t>                        </a:t>
-            </a:r>
-            <a:r>
-              <a:rPr lang="nl-BE" dirty="0">
-                <a:solidFill>
-                  <a:srgbClr val="0000FF"/>
-                </a:solidFill>
-                <a:latin typeface="Consolas" panose="020B0609020204030204" pitchFamily="49" charset="0"/>
-              </a:rPr>
-              <a:t>break</a:t>
-            </a:r>
-            <a:r>
-              <a:rPr lang="nl-BE" dirty="0">
-                <a:solidFill>
-                  <a:srgbClr val="000000"/>
-                </a:solidFill>
-                <a:latin typeface="Consolas" panose="020B0609020204030204" pitchFamily="49" charset="0"/>
-              </a:rPr>
-              <a:t>;</a:t>
-            </a:r>
-          </a:p>
-          <a:p>
-            <a:r>
-              <a:rPr lang="nl-BE" dirty="0">
-                <a:solidFill>
-                  <a:srgbClr val="000000"/>
-                </a:solidFill>
-                <a:latin typeface="Consolas" panose="020B0609020204030204" pitchFamily="49" charset="0"/>
-              </a:rPr>
-              <a:t>                }</a:t>
-            </a:r>
-            <a:endParaRPr lang="nl-BE" dirty="0"/>
-          </a:p>
-        </p:txBody>
-      </p:sp>
-      <p:sp>
-        <p:nvSpPr>
-          <p:cNvPr id="3" name="Tijdelijke aanduiding voor voettekst 2">
-            <a:extLst>
-              <a:ext uri="{FF2B5EF4-FFF2-40B4-BE49-F238E27FC236}">
-                <a16:creationId xmlns:a16="http://schemas.microsoft.com/office/drawing/2014/main" id="{BF7422DE-253C-444D-B073-C0581C464CA1}"/>
-              </a:ext>
-            </a:extLst>
-          </p:cNvPr>
-          <p:cNvSpPr>
-            <a:spLocks noGrp="1"/>
-          </p:cNvSpPr>
-          <p:nvPr>
-            <p:ph type="ftr" sz="quarter" idx="11"/>
-          </p:nvPr>
-        </p:nvSpPr>
-        <p:spPr/>
-        <p:txBody>
-          <a:bodyPr/>
-          <a:lstStyle/>
-          <a:p>
-            <a:r>
-              <a:rPr lang="nl-BE"/>
-              <a:t>Ziescherp</a:t>
-            </a:r>
-          </a:p>
-        </p:txBody>
-      </p:sp>
-      <p:sp>
-        <p:nvSpPr>
-          <p:cNvPr id="4" name="Tijdelijke aanduiding voor dianummer 3">
-            <a:extLst>
-              <a:ext uri="{FF2B5EF4-FFF2-40B4-BE49-F238E27FC236}">
-                <a16:creationId xmlns:a16="http://schemas.microsoft.com/office/drawing/2014/main" id="{B761B645-2E8E-4334-B96D-2F311E2F8EBB}"/>
-              </a:ext>
-            </a:extLst>
-          </p:cNvPr>
-          <p:cNvSpPr>
-            <a:spLocks noGrp="1"/>
-          </p:cNvSpPr>
-          <p:nvPr>
-            <p:ph type="sldNum" sz="quarter" idx="12"/>
-          </p:nvPr>
-        </p:nvSpPr>
-        <p:spPr/>
-        <p:txBody>
-          <a:bodyPr/>
-          <a:lstStyle/>
-          <a:p>
-            <a:fld id="{26F5612F-804E-460E-88BF-7B183C058243}" type="slidenum">
-              <a:rPr lang="nl-BE" smtClean="0"/>
-              <a:t>17</a:t>
-            </a:fld>
-            <a:endParaRPr lang="nl-BE"/>
-          </a:p>
-        </p:txBody>
-      </p:sp>
-    </p:spTree>
-    <p:extLst>
-      <p:ext uri="{BB962C8B-B14F-4D97-AF65-F5344CB8AC3E}">
-        <p14:creationId xmlns:p14="http://schemas.microsoft.com/office/powerpoint/2010/main" val="518612168"/>
       </p:ext>
     </p:extLst>
   </p:cSld>
@@ -9420,7 +8842,7 @@
           <p:cNvPr id="2" name="Titel 1">
             <a:extLst>
               <a:ext uri="{FF2B5EF4-FFF2-40B4-BE49-F238E27FC236}">
-                <a16:creationId xmlns:a16="http://schemas.microsoft.com/office/drawing/2014/main" id="{7AB9AF6A-D9AF-4627-ADC7-DD25649B52E0}"/>
+                <a16:creationId xmlns:a16="http://schemas.microsoft.com/office/drawing/2014/main" id="{3BDB9EBD-5126-458D-8BF5-63011818D492}"/>
               </a:ext>
             </a:extLst>
           </p:cNvPr>
@@ -9428,65 +8850,629 @@
             <a:spLocks noGrp="1"/>
           </p:cNvSpPr>
           <p:nvPr>
-            <p:ph type="ctrTitle"/>
-          </p:nvPr>
-        </p:nvSpPr>
-        <p:spPr>
-          <a:xfrm>
-            <a:off x="1524000" y="1214438"/>
-            <a:ext cx="9144000" cy="2387600"/>
-          </a:xfrm>
-        </p:spPr>
+            <p:ph type="title"/>
+          </p:nvPr>
+        </p:nvSpPr>
+        <p:spPr/>
         <p:txBody>
           <a:bodyPr/>
           <a:lstStyle/>
           <a:p>
             <a:r>
+              <a:rPr lang="nl-BE" dirty="0" err="1"/>
+              <a:t>Fallthrough</a:t>
+            </a:r>
+            <a:r>
               <a:rPr lang="nl-BE" dirty="0"/>
-              <a:t>5. </a:t>
-            </a:r>
-            <a:r>
-              <a:rPr lang="nl-BE" dirty="0" err="1"/>
-              <a:t>enum</a:t>
-            </a:r>
-            <a:endParaRPr lang="nl-BE" dirty="0"/>
-          </a:p>
-        </p:txBody>
-      </p:sp>
-      <p:sp>
-        <p:nvSpPr>
-          <p:cNvPr id="3" name="Ondertitel 2">
+              <a:t> ook mogelijk</a:t>
+            </a:r>
+          </a:p>
+        </p:txBody>
+      </p:sp>
+      <p:sp>
+        <p:nvSpPr>
+          <p:cNvPr id="5" name="Rechthoek 4">
             <a:extLst>
               <a:ext uri="{FF2B5EF4-FFF2-40B4-BE49-F238E27FC236}">
-                <a16:creationId xmlns:a16="http://schemas.microsoft.com/office/drawing/2014/main" id="{17F4B29F-A598-45B3-81BA-1D72509B7463}"/>
+                <a16:creationId xmlns:a16="http://schemas.microsoft.com/office/drawing/2014/main" id="{B801AEAE-FA00-42FE-8A6F-F61FD4BEC998}"/>
               </a:ext>
             </a:extLst>
           </p:cNvPr>
-          <p:cNvSpPr>
-            <a:spLocks noGrp="1"/>
-          </p:cNvSpPr>
-          <p:nvPr>
-            <p:ph type="subTitle" idx="1"/>
-          </p:nvPr>
-        </p:nvSpPr>
-        <p:spPr/>
-        <p:txBody>
-          <a:bodyPr/>
-          <a:lstStyle/>
-          <a:p>
-            <a:r>
-              <a:rPr lang="nl-BE" dirty="0"/>
-              <a:t>H5. Beslissingen</a:t>
-            </a:r>
-          </a:p>
-        </p:txBody>
-      </p:sp>
-      <p:sp>
-        <p:nvSpPr>
-          <p:cNvPr id="4" name="Tijdelijke aanduiding voor voettekst 3">
+          <p:cNvSpPr/>
+          <p:nvPr/>
+        </p:nvSpPr>
+        <p:spPr>
+          <a:xfrm>
+            <a:off x="941778" y="1690688"/>
+            <a:ext cx="10573092" cy="4524315"/>
+          </a:xfrm>
+          <a:prstGeom prst="rect">
+            <a:avLst/>
+          </a:prstGeom>
+        </p:spPr>
+        <p:txBody>
+          <a:bodyPr wrap="square">
+            <a:spAutoFit/>
+          </a:bodyPr>
+          <a:lstStyle/>
+          <a:p>
+            <a:r>
+              <a:rPr lang="nl-BE" dirty="0">
+                <a:solidFill>
+                  <a:srgbClr val="000000"/>
+                </a:solidFill>
+                <a:latin typeface="Consolas" panose="020B0609020204030204" pitchFamily="49" charset="0"/>
+              </a:rPr>
+              <a:t> 		  Random </a:t>
+            </a:r>
+            <a:r>
+              <a:rPr lang="nl-BE" dirty="0" err="1">
+                <a:solidFill>
+                  <a:srgbClr val="000000"/>
+                </a:solidFill>
+                <a:latin typeface="Consolas" panose="020B0609020204030204" pitchFamily="49" charset="0"/>
+              </a:rPr>
+              <a:t>rnd</a:t>
+            </a:r>
+            <a:r>
+              <a:rPr lang="nl-BE" dirty="0">
+                <a:solidFill>
+                  <a:srgbClr val="000000"/>
+                </a:solidFill>
+                <a:latin typeface="Consolas" panose="020B0609020204030204" pitchFamily="49" charset="0"/>
+              </a:rPr>
+              <a:t> = </a:t>
+            </a:r>
+            <a:r>
+              <a:rPr lang="nl-BE" dirty="0">
+                <a:solidFill>
+                  <a:srgbClr val="0000FF"/>
+                </a:solidFill>
+                <a:latin typeface="Consolas" panose="020B0609020204030204" pitchFamily="49" charset="0"/>
+              </a:rPr>
+              <a:t>new</a:t>
+            </a:r>
+            <a:r>
+              <a:rPr lang="nl-BE" dirty="0">
+                <a:solidFill>
+                  <a:srgbClr val="000000"/>
+                </a:solidFill>
+                <a:latin typeface="Consolas" panose="020B0609020204030204" pitchFamily="49" charset="0"/>
+              </a:rPr>
+              <a:t> Random();</a:t>
+            </a:r>
+          </a:p>
+          <a:p>
+            <a:r>
+              <a:rPr lang="en-US" dirty="0">
+                <a:solidFill>
+                  <a:srgbClr val="000000"/>
+                </a:solidFill>
+                <a:latin typeface="Consolas" panose="020B0609020204030204" pitchFamily="49" charset="0"/>
+              </a:rPr>
+              <a:t>                </a:t>
+            </a:r>
+            <a:r>
+              <a:rPr lang="en-US" dirty="0">
+                <a:solidFill>
+                  <a:srgbClr val="0000FF"/>
+                </a:solidFill>
+                <a:latin typeface="Consolas" panose="020B0609020204030204" pitchFamily="49" charset="0"/>
+              </a:rPr>
+              <a:t>int</a:t>
+            </a:r>
+            <a:r>
+              <a:rPr lang="en-US" dirty="0">
+                <a:solidFill>
+                  <a:srgbClr val="000000"/>
+                </a:solidFill>
+                <a:latin typeface="Consolas" panose="020B0609020204030204" pitchFamily="49" charset="0"/>
+              </a:rPr>
+              <a:t> </a:t>
+            </a:r>
+            <a:r>
+              <a:rPr lang="en-US" dirty="0" err="1">
+                <a:solidFill>
+                  <a:srgbClr val="000000"/>
+                </a:solidFill>
+                <a:latin typeface="Consolas" panose="020B0609020204030204" pitchFamily="49" charset="0"/>
+              </a:rPr>
+              <a:t>caseSwitch</a:t>
+            </a:r>
+            <a:r>
+              <a:rPr lang="en-US" dirty="0">
+                <a:solidFill>
+                  <a:srgbClr val="000000"/>
+                </a:solidFill>
+                <a:latin typeface="Consolas" panose="020B0609020204030204" pitchFamily="49" charset="0"/>
+              </a:rPr>
+              <a:t> = </a:t>
+            </a:r>
+            <a:r>
+              <a:rPr lang="en-US" dirty="0" err="1">
+                <a:solidFill>
+                  <a:srgbClr val="000000"/>
+                </a:solidFill>
+                <a:latin typeface="Consolas" panose="020B0609020204030204" pitchFamily="49" charset="0"/>
+              </a:rPr>
+              <a:t>rnd.Next</a:t>
+            </a:r>
+            <a:r>
+              <a:rPr lang="en-US" dirty="0">
+                <a:solidFill>
+                  <a:srgbClr val="000000"/>
+                </a:solidFill>
+                <a:latin typeface="Consolas" panose="020B0609020204030204" pitchFamily="49" charset="0"/>
+              </a:rPr>
+              <a:t>(1, 4);</a:t>
+            </a:r>
+          </a:p>
+          <a:p>
+            <a:endParaRPr lang="nl-BE" dirty="0">
+              <a:solidFill>
+                <a:srgbClr val="000000"/>
+              </a:solidFill>
+              <a:latin typeface="Consolas" panose="020B0609020204030204" pitchFamily="49" charset="0"/>
+            </a:endParaRPr>
+          </a:p>
+          <a:p>
+            <a:r>
+              <a:rPr lang="nl-BE" dirty="0">
+                <a:solidFill>
+                  <a:srgbClr val="000000"/>
+                </a:solidFill>
+                <a:latin typeface="Consolas" panose="020B0609020204030204" pitchFamily="49" charset="0"/>
+              </a:rPr>
+              <a:t>                </a:t>
+            </a:r>
+            <a:r>
+              <a:rPr lang="nl-BE" dirty="0">
+                <a:solidFill>
+                  <a:srgbClr val="0000FF"/>
+                </a:solidFill>
+                <a:latin typeface="Consolas" panose="020B0609020204030204" pitchFamily="49" charset="0"/>
+              </a:rPr>
+              <a:t>switch</a:t>
+            </a:r>
+            <a:r>
+              <a:rPr lang="nl-BE" dirty="0">
+                <a:solidFill>
+                  <a:srgbClr val="000000"/>
+                </a:solidFill>
+                <a:latin typeface="Consolas" panose="020B0609020204030204" pitchFamily="49" charset="0"/>
+              </a:rPr>
+              <a:t> (</a:t>
+            </a:r>
+            <a:r>
+              <a:rPr lang="nl-BE" dirty="0" err="1">
+                <a:solidFill>
+                  <a:srgbClr val="000000"/>
+                </a:solidFill>
+                <a:latin typeface="Consolas" panose="020B0609020204030204" pitchFamily="49" charset="0"/>
+              </a:rPr>
+              <a:t>caseSwitch</a:t>
+            </a:r>
+            <a:r>
+              <a:rPr lang="nl-BE" dirty="0">
+                <a:solidFill>
+                  <a:srgbClr val="000000"/>
+                </a:solidFill>
+                <a:latin typeface="Consolas" panose="020B0609020204030204" pitchFamily="49" charset="0"/>
+              </a:rPr>
+              <a:t>)</a:t>
+            </a:r>
+          </a:p>
+          <a:p>
+            <a:r>
+              <a:rPr lang="nl-BE" dirty="0">
+                <a:solidFill>
+                  <a:srgbClr val="000000"/>
+                </a:solidFill>
+                <a:latin typeface="Consolas" panose="020B0609020204030204" pitchFamily="49" charset="0"/>
+              </a:rPr>
+              <a:t>                {</a:t>
+            </a:r>
+          </a:p>
+          <a:p>
+            <a:r>
+              <a:rPr lang="nl-BE" dirty="0">
+                <a:solidFill>
+                  <a:srgbClr val="000000"/>
+                </a:solidFill>
+                <a:latin typeface="Consolas" panose="020B0609020204030204" pitchFamily="49" charset="0"/>
+              </a:rPr>
+              <a:t>                    </a:t>
+            </a:r>
+            <a:r>
+              <a:rPr lang="nl-BE" dirty="0">
+                <a:solidFill>
+                  <a:srgbClr val="0000FF"/>
+                </a:solidFill>
+                <a:latin typeface="Consolas" panose="020B0609020204030204" pitchFamily="49" charset="0"/>
+              </a:rPr>
+              <a:t>case</a:t>
+            </a:r>
+            <a:r>
+              <a:rPr lang="nl-BE" dirty="0">
+                <a:solidFill>
+                  <a:srgbClr val="000000"/>
+                </a:solidFill>
+                <a:latin typeface="Consolas" panose="020B0609020204030204" pitchFamily="49" charset="0"/>
+              </a:rPr>
+              <a:t> 1:</a:t>
+            </a:r>
+          </a:p>
+          <a:p>
+            <a:r>
+              <a:rPr lang="nl-BE" dirty="0">
+                <a:solidFill>
+                  <a:srgbClr val="000000"/>
+                </a:solidFill>
+                <a:latin typeface="Consolas" panose="020B0609020204030204" pitchFamily="49" charset="0"/>
+              </a:rPr>
+              <a:t>                        </a:t>
+            </a:r>
+            <a:r>
+              <a:rPr lang="nl-BE" dirty="0" err="1">
+                <a:solidFill>
+                  <a:srgbClr val="000000"/>
+                </a:solidFill>
+                <a:latin typeface="Consolas" panose="020B0609020204030204" pitchFamily="49" charset="0"/>
+              </a:rPr>
+              <a:t>Console.WriteLine</a:t>
+            </a:r>
+            <a:r>
+              <a:rPr lang="nl-BE" dirty="0">
+                <a:solidFill>
+                  <a:srgbClr val="000000"/>
+                </a:solidFill>
+                <a:latin typeface="Consolas" panose="020B0609020204030204" pitchFamily="49" charset="0"/>
+              </a:rPr>
+              <a:t>(</a:t>
+            </a:r>
+            <a:r>
+              <a:rPr lang="nl-BE" dirty="0">
+                <a:solidFill>
+                  <a:srgbClr val="A31515"/>
+                </a:solidFill>
+                <a:latin typeface="Consolas" panose="020B0609020204030204" pitchFamily="49" charset="0"/>
+              </a:rPr>
+              <a:t>"Gewonnen"</a:t>
+            </a:r>
+            <a:r>
+              <a:rPr lang="nl-BE" dirty="0">
+                <a:solidFill>
+                  <a:srgbClr val="000000"/>
+                </a:solidFill>
+                <a:latin typeface="Consolas" panose="020B0609020204030204" pitchFamily="49" charset="0"/>
+              </a:rPr>
+              <a:t>);</a:t>
+            </a:r>
+          </a:p>
+          <a:p>
+            <a:r>
+              <a:rPr lang="nl-BE" dirty="0">
+                <a:solidFill>
+                  <a:srgbClr val="000000"/>
+                </a:solidFill>
+                <a:latin typeface="Consolas" panose="020B0609020204030204" pitchFamily="49" charset="0"/>
+              </a:rPr>
+              <a:t>                        </a:t>
+            </a:r>
+            <a:r>
+              <a:rPr lang="nl-BE" dirty="0">
+                <a:solidFill>
+                  <a:srgbClr val="0000FF"/>
+                </a:solidFill>
+                <a:latin typeface="Consolas" panose="020B0609020204030204" pitchFamily="49" charset="0"/>
+              </a:rPr>
+              <a:t>break</a:t>
+            </a:r>
+            <a:r>
+              <a:rPr lang="nl-BE" dirty="0">
+                <a:solidFill>
+                  <a:srgbClr val="000000"/>
+                </a:solidFill>
+                <a:latin typeface="Consolas" panose="020B0609020204030204" pitchFamily="49" charset="0"/>
+              </a:rPr>
+              <a:t>;</a:t>
+            </a:r>
+          </a:p>
+          <a:p>
+            <a:r>
+              <a:rPr lang="nl-BE" dirty="0">
+                <a:solidFill>
+                  <a:srgbClr val="000000"/>
+                </a:solidFill>
+                <a:latin typeface="Consolas" panose="020B0609020204030204" pitchFamily="49" charset="0"/>
+              </a:rPr>
+              <a:t>                    </a:t>
+            </a:r>
+            <a:r>
+              <a:rPr lang="nl-BE" dirty="0">
+                <a:solidFill>
+                  <a:srgbClr val="0000FF"/>
+                </a:solidFill>
+                <a:latin typeface="Consolas" panose="020B0609020204030204" pitchFamily="49" charset="0"/>
+              </a:rPr>
+              <a:t>case</a:t>
+            </a:r>
+            <a:r>
+              <a:rPr lang="nl-BE" dirty="0">
+                <a:solidFill>
+                  <a:srgbClr val="000000"/>
+                </a:solidFill>
+                <a:latin typeface="Consolas" panose="020B0609020204030204" pitchFamily="49" charset="0"/>
+              </a:rPr>
+              <a:t> 2:</a:t>
+            </a:r>
+          </a:p>
+          <a:p>
+            <a:r>
+              <a:rPr lang="nl-BE" dirty="0">
+                <a:solidFill>
+                  <a:srgbClr val="000000"/>
+                </a:solidFill>
+                <a:latin typeface="Consolas" panose="020B0609020204030204" pitchFamily="49" charset="0"/>
+              </a:rPr>
+              <a:t>                    </a:t>
+            </a:r>
+            <a:r>
+              <a:rPr lang="nl-BE" dirty="0">
+                <a:solidFill>
+                  <a:srgbClr val="0000FF"/>
+                </a:solidFill>
+                <a:latin typeface="Consolas" panose="020B0609020204030204" pitchFamily="49" charset="0"/>
+              </a:rPr>
+              <a:t>case</a:t>
+            </a:r>
+            <a:r>
+              <a:rPr lang="nl-BE" dirty="0">
+                <a:solidFill>
+                  <a:srgbClr val="000000"/>
+                </a:solidFill>
+                <a:latin typeface="Consolas" panose="020B0609020204030204" pitchFamily="49" charset="0"/>
+              </a:rPr>
+              <a:t> 3:</a:t>
+            </a:r>
+          </a:p>
+          <a:p>
+            <a:r>
+              <a:rPr lang="nl-BE" dirty="0">
+                <a:solidFill>
+                  <a:srgbClr val="000000"/>
+                </a:solidFill>
+                <a:latin typeface="Consolas" panose="020B0609020204030204" pitchFamily="49" charset="0"/>
+              </a:rPr>
+              <a:t>                        </a:t>
+            </a:r>
+            <a:r>
+              <a:rPr lang="nl-BE" dirty="0" err="1">
+                <a:solidFill>
+                  <a:srgbClr val="000000"/>
+                </a:solidFill>
+                <a:latin typeface="Consolas" panose="020B0609020204030204" pitchFamily="49" charset="0"/>
+              </a:rPr>
+              <a:t>Console.WriteLine</a:t>
+            </a:r>
+            <a:r>
+              <a:rPr lang="nl-BE" dirty="0">
+                <a:solidFill>
+                  <a:srgbClr val="000000"/>
+                </a:solidFill>
+                <a:latin typeface="Consolas" panose="020B0609020204030204" pitchFamily="49" charset="0"/>
+              </a:rPr>
+              <a:t>(</a:t>
+            </a:r>
+            <a:r>
+              <a:rPr lang="nl-BE" dirty="0">
+                <a:solidFill>
+                  <a:srgbClr val="A31515"/>
+                </a:solidFill>
+                <a:latin typeface="Consolas" panose="020B0609020204030204" pitchFamily="49" charset="0"/>
+              </a:rPr>
+              <a:t>$"Niet gewonnen"</a:t>
+            </a:r>
+            <a:r>
+              <a:rPr lang="nl-BE" dirty="0">
+                <a:solidFill>
+                  <a:srgbClr val="000000"/>
+                </a:solidFill>
+                <a:latin typeface="Consolas" panose="020B0609020204030204" pitchFamily="49" charset="0"/>
+              </a:rPr>
+              <a:t>);</a:t>
+            </a:r>
+          </a:p>
+          <a:p>
+            <a:r>
+              <a:rPr lang="nl-BE" dirty="0">
+                <a:solidFill>
+                  <a:srgbClr val="000000"/>
+                </a:solidFill>
+                <a:latin typeface="Consolas" panose="020B0609020204030204" pitchFamily="49" charset="0"/>
+              </a:rPr>
+              <a:t>                        </a:t>
+            </a:r>
+            <a:r>
+              <a:rPr lang="nl-BE" dirty="0">
+                <a:solidFill>
+                  <a:srgbClr val="0000FF"/>
+                </a:solidFill>
+                <a:latin typeface="Consolas" panose="020B0609020204030204" pitchFamily="49" charset="0"/>
+              </a:rPr>
+              <a:t>break</a:t>
+            </a:r>
+            <a:r>
+              <a:rPr lang="nl-BE" dirty="0">
+                <a:solidFill>
+                  <a:srgbClr val="000000"/>
+                </a:solidFill>
+                <a:latin typeface="Consolas" panose="020B0609020204030204" pitchFamily="49" charset="0"/>
+              </a:rPr>
+              <a:t>;</a:t>
+            </a:r>
+          </a:p>
+          <a:p>
+            <a:r>
+              <a:rPr lang="nl-BE" dirty="0">
+                <a:solidFill>
+                  <a:srgbClr val="000000"/>
+                </a:solidFill>
+                <a:latin typeface="Consolas" panose="020B0609020204030204" pitchFamily="49" charset="0"/>
+              </a:rPr>
+              <a:t>                    </a:t>
+            </a:r>
+            <a:r>
+              <a:rPr lang="nl-BE" dirty="0">
+                <a:solidFill>
+                  <a:srgbClr val="0000FF"/>
+                </a:solidFill>
+                <a:latin typeface="Consolas" panose="020B0609020204030204" pitchFamily="49" charset="0"/>
+              </a:rPr>
+              <a:t>default</a:t>
+            </a:r>
+            <a:r>
+              <a:rPr lang="nl-BE" dirty="0">
+                <a:solidFill>
+                  <a:srgbClr val="000000"/>
+                </a:solidFill>
+                <a:latin typeface="Consolas" panose="020B0609020204030204" pitchFamily="49" charset="0"/>
+              </a:rPr>
+              <a:t>:</a:t>
+            </a:r>
+          </a:p>
+          <a:p>
+            <a:r>
+              <a:rPr lang="en-US" dirty="0">
+                <a:solidFill>
+                  <a:srgbClr val="000000"/>
+                </a:solidFill>
+                <a:latin typeface="Consolas" panose="020B0609020204030204" pitchFamily="49" charset="0"/>
+              </a:rPr>
+              <a:t>                        </a:t>
+            </a:r>
+            <a:r>
+              <a:rPr lang="en-US" dirty="0" err="1">
+                <a:solidFill>
+                  <a:srgbClr val="000000"/>
+                </a:solidFill>
+                <a:latin typeface="Consolas" panose="020B0609020204030204" pitchFamily="49" charset="0"/>
+              </a:rPr>
+              <a:t>Console.WriteLine</a:t>
+            </a:r>
+            <a:r>
+              <a:rPr lang="en-US" dirty="0">
+                <a:solidFill>
+                  <a:srgbClr val="000000"/>
+                </a:solidFill>
+                <a:latin typeface="Consolas" panose="020B0609020204030204" pitchFamily="49" charset="0"/>
+              </a:rPr>
+              <a:t>(</a:t>
+            </a:r>
+            <a:r>
+              <a:rPr lang="en-US" dirty="0">
+                <a:solidFill>
+                  <a:srgbClr val="A31515"/>
+                </a:solidFill>
+                <a:latin typeface="Consolas" panose="020B0609020204030204" pitchFamily="49" charset="0"/>
+              </a:rPr>
+              <a:t>$"An unexpected value (</a:t>
+            </a:r>
+            <a:r>
+              <a:rPr lang="en-US" dirty="0">
+                <a:solidFill>
+                  <a:srgbClr val="000000"/>
+                </a:solidFill>
+                <a:latin typeface="Consolas" panose="020B0609020204030204" pitchFamily="49" charset="0"/>
+              </a:rPr>
+              <a:t>{</a:t>
+            </a:r>
+            <a:r>
+              <a:rPr lang="en-US" dirty="0" err="1">
+                <a:solidFill>
+                  <a:srgbClr val="000000"/>
+                </a:solidFill>
+                <a:latin typeface="Consolas" panose="020B0609020204030204" pitchFamily="49" charset="0"/>
+              </a:rPr>
+              <a:t>caseSwitch</a:t>
+            </a:r>
+            <a:r>
+              <a:rPr lang="en-US" dirty="0">
+                <a:solidFill>
+                  <a:srgbClr val="000000"/>
+                </a:solidFill>
+                <a:latin typeface="Consolas" panose="020B0609020204030204" pitchFamily="49" charset="0"/>
+              </a:rPr>
+              <a:t>}</a:t>
+            </a:r>
+            <a:r>
+              <a:rPr lang="en-US" dirty="0">
+                <a:solidFill>
+                  <a:srgbClr val="A31515"/>
+                </a:solidFill>
+                <a:latin typeface="Consolas" panose="020B0609020204030204" pitchFamily="49" charset="0"/>
+              </a:rPr>
+              <a:t>)"</a:t>
+            </a:r>
+            <a:r>
+              <a:rPr lang="en-US" dirty="0">
+                <a:solidFill>
+                  <a:srgbClr val="000000"/>
+                </a:solidFill>
+                <a:latin typeface="Consolas" panose="020B0609020204030204" pitchFamily="49" charset="0"/>
+              </a:rPr>
+              <a:t>);</a:t>
+            </a:r>
+          </a:p>
+          <a:p>
+            <a:r>
+              <a:rPr lang="nl-BE" dirty="0">
+                <a:solidFill>
+                  <a:srgbClr val="000000"/>
+                </a:solidFill>
+                <a:latin typeface="Consolas" panose="020B0609020204030204" pitchFamily="49" charset="0"/>
+              </a:rPr>
+              <a:t>                        </a:t>
+            </a:r>
+            <a:r>
+              <a:rPr lang="nl-BE" dirty="0">
+                <a:solidFill>
+                  <a:srgbClr val="0000FF"/>
+                </a:solidFill>
+                <a:latin typeface="Consolas" panose="020B0609020204030204" pitchFamily="49" charset="0"/>
+              </a:rPr>
+              <a:t>break</a:t>
+            </a:r>
+            <a:r>
+              <a:rPr lang="nl-BE" dirty="0">
+                <a:solidFill>
+                  <a:srgbClr val="000000"/>
+                </a:solidFill>
+                <a:latin typeface="Consolas" panose="020B0609020204030204" pitchFamily="49" charset="0"/>
+              </a:rPr>
+              <a:t>;</a:t>
+            </a:r>
+          </a:p>
+          <a:p>
+            <a:r>
+              <a:rPr lang="nl-BE" dirty="0">
+                <a:solidFill>
+                  <a:srgbClr val="000000"/>
+                </a:solidFill>
+                <a:latin typeface="Consolas" panose="020B0609020204030204" pitchFamily="49" charset="0"/>
+              </a:rPr>
+              <a:t>                }</a:t>
+            </a:r>
+            <a:endParaRPr lang="nl-BE" dirty="0"/>
+          </a:p>
+        </p:txBody>
+      </p:sp>
+      <p:sp>
+        <p:nvSpPr>
+          <p:cNvPr id="3" name="Tijdelijke aanduiding voor voettekst 2">
             <a:extLst>
               <a:ext uri="{FF2B5EF4-FFF2-40B4-BE49-F238E27FC236}">
-                <a16:creationId xmlns:a16="http://schemas.microsoft.com/office/drawing/2014/main" id="{ADAF2EFB-AF4A-4FDA-B07B-121D7D25A598}"/>
+                <a16:creationId xmlns:a16="http://schemas.microsoft.com/office/drawing/2014/main" id="{BF7422DE-253C-444D-B073-C0581C464CA1}"/>
               </a:ext>
             </a:extLst>
           </p:cNvPr>
@@ -9511,10 +9497,10 @@
       </p:sp>
       <p:sp>
         <p:nvSpPr>
-          <p:cNvPr id="5" name="Tijdelijke aanduiding voor dianummer 4">
+          <p:cNvPr id="4" name="Tijdelijke aanduiding voor dianummer 3">
             <a:extLst>
               <a:ext uri="{FF2B5EF4-FFF2-40B4-BE49-F238E27FC236}">
-                <a16:creationId xmlns:a16="http://schemas.microsoft.com/office/drawing/2014/main" id="{CA53F92E-9E69-4380-94C7-57ADF5B46DD3}"/>
+                <a16:creationId xmlns:a16="http://schemas.microsoft.com/office/drawing/2014/main" id="{B761B645-2E8E-4334-B96D-2F311E2F8EBB}"/>
               </a:ext>
             </a:extLst>
           </p:cNvPr>
@@ -9541,7 +9527,7 @@
     </p:spTree>
     <p:extLst>
       <p:ext uri="{BB962C8B-B14F-4D97-AF65-F5344CB8AC3E}">
-        <p14:creationId xmlns:p14="http://schemas.microsoft.com/office/powerpoint/2010/main" val="47121162"/>
+        <p14:creationId xmlns:p14="http://schemas.microsoft.com/office/powerpoint/2010/main" val="518612168"/>
       </p:ext>
     </p:extLst>
   </p:cSld>
@@ -9554,14 +9540,6 @@
 <file path=ppt/slides/slide19.xml><?xml version="1.0" encoding="utf-8"?>
 <p:sld xmlns:a="http://schemas.openxmlformats.org/drawingml/2006/main" xmlns:r="http://schemas.openxmlformats.org/officeDocument/2006/relationships" xmlns:p="http://schemas.openxmlformats.org/presentationml/2006/main">
   <p:cSld>
-    <p:bg>
-      <p:bgPr>
-        <a:solidFill>
-          <a:schemeClr val="bg1"/>
-        </a:solidFill>
-        <a:effectLst/>
-      </p:bgPr>
-    </p:bg>
     <p:spTree>
       <p:nvGrpSpPr>
         <p:cNvPr id="1" name=""/>
@@ -9578,201 +9556,10 @@
       </p:grpSpPr>
       <p:sp>
         <p:nvSpPr>
-          <p:cNvPr id="30722" name="Titel 1"/>
-          <p:cNvSpPr>
-            <a:spLocks noGrp="1"/>
-          </p:cNvSpPr>
-          <p:nvPr>
-            <p:ph type="title"/>
-          </p:nvPr>
-        </p:nvSpPr>
-        <p:spPr>
-          <a:xfrm>
-            <a:off x="1179226" y="826680"/>
-            <a:ext cx="9833548" cy="1325563"/>
-          </a:xfrm>
-        </p:spPr>
-        <p:txBody>
-          <a:bodyPr>
-            <a:normAutofit/>
-          </a:bodyPr>
-          <a:lstStyle/>
-          <a:p>
-            <a:pPr algn="ctr"/>
-            <a:r>
-              <a:rPr lang="en-IE" sz="4000" dirty="0" err="1"/>
-              <a:t>Enumeratie</a:t>
-            </a:r>
-            <a:r>
-              <a:rPr lang="en-IE" sz="4000" dirty="0"/>
-              <a:t> en states</a:t>
-            </a:r>
-          </a:p>
-        </p:txBody>
-      </p:sp>
-      <p:sp>
-        <p:nvSpPr>
-          <p:cNvPr id="3" name="Tijdelijke aanduiding voor inhoud 2"/>
-          <p:cNvSpPr>
-            <a:spLocks noGrp="1"/>
-          </p:cNvSpPr>
-          <p:nvPr>
-            <p:ph idx="1"/>
-          </p:nvPr>
-        </p:nvSpPr>
-        <p:spPr>
-          <a:xfrm>
-            <a:off x="1179226" y="3092970"/>
-            <a:ext cx="9833548" cy="2693976"/>
-          </a:xfrm>
-        </p:spPr>
-        <p:txBody>
-          <a:bodyPr>
-            <a:normAutofit/>
-          </a:bodyPr>
-          <a:lstStyle/>
-          <a:p>
-            <a:r>
-              <a:rPr lang="en-IE" sz="2000">
-                <a:solidFill>
-                  <a:srgbClr val="000000"/>
-                </a:solidFill>
-              </a:rPr>
-              <a:t>Enemuration of enumeratie = nummering</a:t>
-            </a:r>
-          </a:p>
-          <a:p>
-            <a:endParaRPr lang="en-IE" sz="2000">
-              <a:solidFill>
-                <a:srgbClr val="000000"/>
-              </a:solidFill>
-            </a:endParaRPr>
-          </a:p>
-          <a:p>
-            <a:r>
-              <a:rPr lang="en-IE" sz="2000">
-                <a:solidFill>
-                  <a:srgbClr val="000000"/>
-                </a:solidFill>
-              </a:rPr>
-              <a:t>Enumerated types: speciaal type (maar duur woord)</a:t>
-            </a:r>
-          </a:p>
-          <a:p>
-            <a:endParaRPr lang="en-IE" sz="2000">
-              <a:solidFill>
-                <a:srgbClr val="000000"/>
-              </a:solidFill>
-            </a:endParaRPr>
-          </a:p>
-          <a:p>
-            <a:endParaRPr lang="en-IE" sz="2000">
-              <a:solidFill>
-                <a:srgbClr val="000000"/>
-              </a:solidFill>
-            </a:endParaRPr>
-          </a:p>
-        </p:txBody>
-      </p:sp>
-      <p:sp>
-        <p:nvSpPr>
-          <p:cNvPr id="4" name="Tijdelijke aanduiding voor dianummer 3"/>
-          <p:cNvSpPr>
-            <a:spLocks noGrp="1"/>
-          </p:cNvSpPr>
-          <p:nvPr>
-            <p:ph type="sldNum" sz="quarter" idx="12"/>
-          </p:nvPr>
-        </p:nvSpPr>
-        <p:spPr>
-          <a:xfrm>
-            <a:off x="10825930" y="6223702"/>
-            <a:ext cx="570728" cy="314067"/>
-          </a:xfrm>
-          <a:prstGeom prst="rect">
-            <a:avLst/>
-          </a:prstGeom>
-        </p:spPr>
-        <p:txBody>
-          <a:bodyPr>
-            <a:normAutofit/>
-          </a:bodyPr>
-          <a:lstStyle/>
-          <a:p>
-            <a:pPr marL="0" marR="0" lvl="0" indent="0" algn="r" defTabSz="914400" rtl="0" eaLnBrk="1" fontAlgn="auto" latinLnBrk="0" hangingPunct="1">
-              <a:lnSpc>
-                <a:spcPct val="100000"/>
-              </a:lnSpc>
-              <a:spcBef>
-                <a:spcPts val="0"/>
-              </a:spcBef>
-              <a:spcAft>
-                <a:spcPts val="600"/>
-              </a:spcAft>
-              <a:buClrTx/>
-              <a:buSzTx/>
-              <a:buFontTx/>
-              <a:buNone/>
-              <a:tabLst/>
-              <a:defRPr/>
-            </a:pPr>
-            <a:fld id="{9628E084-3F5F-499D-A54A-E40CF1A76854}" type="slidenum">
-              <a:rPr kumimoji="0" lang="nl-NL" sz="1000" b="0" i="0" u="none" strike="noStrike" kern="1200" cap="none" spc="0" normalizeH="0" baseline="0" noProof="0">
-                <a:ln>
-                  <a:noFill/>
-                </a:ln>
-                <a:solidFill>
-                  <a:srgbClr val="898989"/>
-                </a:solidFill>
-                <a:effectLst/>
-                <a:uLnTx/>
-                <a:uFillTx/>
-                <a:latin typeface="Calibri" panose="020F0502020204030204"/>
-                <a:ea typeface="+mn-ea"/>
-                <a:cs typeface="+mn-cs"/>
-              </a:rPr>
-              <a:pPr marL="0" marR="0" lvl="0" indent="0" algn="r" defTabSz="914400" rtl="0" eaLnBrk="1" fontAlgn="auto" latinLnBrk="0" hangingPunct="1">
-                <a:lnSpc>
-                  <a:spcPct val="100000"/>
-                </a:lnSpc>
-                <a:spcBef>
-                  <a:spcPts val="0"/>
-                </a:spcBef>
-                <a:spcAft>
-                  <a:spcPts val="600"/>
-                </a:spcAft>
-                <a:buClrTx/>
-                <a:buSzTx/>
-                <a:buFontTx/>
-                <a:buNone/>
-                <a:tabLst/>
-                <a:defRPr/>
-              </a:pPr>
-              <a:t>19</a:t>
-            </a:fld>
-            <a:endParaRPr kumimoji="0" lang="nl-NL" sz="1000" b="0" i="0" u="none" strike="noStrike" kern="1200" cap="none" spc="0" normalizeH="0" baseline="0" noProof="0">
-              <a:ln>
-                <a:noFill/>
-              </a:ln>
-              <a:solidFill>
-                <a:srgbClr val="898989"/>
-              </a:solidFill>
-              <a:effectLst/>
-              <a:uLnTx/>
-              <a:uFillTx/>
-              <a:latin typeface="Calibri" panose="020F0502020204030204"/>
-              <a:ea typeface="+mn-ea"/>
-              <a:cs typeface="+mn-cs"/>
-            </a:endParaRPr>
-          </a:p>
-        </p:txBody>
-      </p:sp>
-      <p:sp>
-        <p:nvSpPr>
-          <p:cNvPr id="2" name="Tijdelijke aanduiding voor voettekst 1">
+          <p:cNvPr id="2" name="Titel 1">
             <a:extLst>
               <a:ext uri="{FF2B5EF4-FFF2-40B4-BE49-F238E27FC236}">
-                <a16:creationId xmlns:a16="http://schemas.microsoft.com/office/drawing/2014/main" id="{43F77EFD-EAF5-4EEA-BA50-A95E00E1F6D6}"/>
+                <a16:creationId xmlns:a16="http://schemas.microsoft.com/office/drawing/2014/main" id="{F94C3686-3F27-463F-A221-9F67441B53B5}"/>
               </a:ext>
             </a:extLst>
           </p:cNvPr>
@@ -9780,6 +9567,56 @@
             <a:spLocks noGrp="1"/>
           </p:cNvSpPr>
           <p:nvPr>
+            <p:ph type="title"/>
+          </p:nvPr>
+        </p:nvSpPr>
+        <p:spPr/>
+        <p:txBody>
+          <a:bodyPr/>
+          <a:lstStyle/>
+          <a:p>
+            <a:endParaRPr lang="nl-BE"/>
+          </a:p>
+        </p:txBody>
+      </p:sp>
+      <p:sp>
+        <p:nvSpPr>
+          <p:cNvPr id="3" name="Tijdelijke aanduiding voor inhoud 2">
+            <a:extLst>
+              <a:ext uri="{FF2B5EF4-FFF2-40B4-BE49-F238E27FC236}">
+                <a16:creationId xmlns:a16="http://schemas.microsoft.com/office/drawing/2014/main" id="{E18F379D-C72D-498F-A42A-A75562E25CCA}"/>
+              </a:ext>
+            </a:extLst>
+          </p:cNvPr>
+          <p:cNvSpPr>
+            <a:spLocks noGrp="1"/>
+          </p:cNvSpPr>
+          <p:nvPr>
+            <p:ph idx="1"/>
+          </p:nvPr>
+        </p:nvSpPr>
+        <p:spPr/>
+        <p:txBody>
+          <a:bodyPr/>
+          <a:lstStyle/>
+          <a:p>
+            <a:endParaRPr lang="nl-BE"/>
+          </a:p>
+        </p:txBody>
+      </p:sp>
+      <p:sp>
+        <p:nvSpPr>
+          <p:cNvPr id="4" name="Tijdelijke aanduiding voor voettekst 3">
+            <a:extLst>
+              <a:ext uri="{FF2B5EF4-FFF2-40B4-BE49-F238E27FC236}">
+                <a16:creationId xmlns:a16="http://schemas.microsoft.com/office/drawing/2014/main" id="{BD4B7FFE-8A11-42F7-8013-DA9A4DEFA479}"/>
+              </a:ext>
+            </a:extLst>
+          </p:cNvPr>
+          <p:cNvSpPr>
+            <a:spLocks noGrp="1"/>
+          </p:cNvSpPr>
+          <p:nvPr>
             <p:ph type="ftr" sz="quarter" idx="11"/>
           </p:nvPr>
         </p:nvSpPr>
@@ -9792,13 +9629,42 @@
               <a:rPr lang="nl-BE"/>
               <a:t>Ziescherp</a:t>
             </a:r>
+          </a:p>
+        </p:txBody>
+      </p:sp>
+      <p:sp>
+        <p:nvSpPr>
+          <p:cNvPr id="5" name="Tijdelijke aanduiding voor dianummer 4">
+            <a:extLst>
+              <a:ext uri="{FF2B5EF4-FFF2-40B4-BE49-F238E27FC236}">
+                <a16:creationId xmlns:a16="http://schemas.microsoft.com/office/drawing/2014/main" id="{FF9D66A1-79FE-4058-AD04-74CC516D9734}"/>
+              </a:ext>
+            </a:extLst>
+          </p:cNvPr>
+          <p:cNvSpPr>
+            <a:spLocks noGrp="1"/>
+          </p:cNvSpPr>
+          <p:nvPr>
+            <p:ph type="sldNum" sz="quarter" idx="12"/>
+          </p:nvPr>
+        </p:nvSpPr>
+        <p:spPr/>
+        <p:txBody>
+          <a:bodyPr/>
+          <a:lstStyle/>
+          <a:p>
+            <a:fld id="{26F5612F-804E-460E-88BF-7B183C058243}" type="slidenum">
+              <a:rPr lang="nl-BE" smtClean="0"/>
+              <a:t>19</a:t>
+            </a:fld>
+            <a:endParaRPr lang="nl-BE"/>
           </a:p>
         </p:txBody>
       </p:sp>
     </p:spTree>
     <p:extLst>
       <p:ext uri="{BB962C8B-B14F-4D97-AF65-F5344CB8AC3E}">
-        <p14:creationId xmlns:p14="http://schemas.microsoft.com/office/powerpoint/2010/main" val="4160506614"/>
+        <p14:creationId xmlns:p14="http://schemas.microsoft.com/office/powerpoint/2010/main" val="225008146"/>
       </p:ext>
     </p:extLst>
   </p:cSld>
@@ -10062,6 +9928,159 @@
 <file path=ppt/slides/slide20.xml><?xml version="1.0" encoding="utf-8"?>
 <p:sld xmlns:a="http://schemas.openxmlformats.org/drawingml/2006/main" xmlns:r="http://schemas.openxmlformats.org/officeDocument/2006/relationships" xmlns:p="http://schemas.openxmlformats.org/presentationml/2006/main">
   <p:cSld>
+    <p:spTree>
+      <p:nvGrpSpPr>
+        <p:cNvPr id="1" name=""/>
+        <p:cNvGrpSpPr/>
+        <p:nvPr/>
+      </p:nvGrpSpPr>
+      <p:grpSpPr>
+        <a:xfrm>
+          <a:off x="0" y="0"/>
+          <a:ext cx="0" cy="0"/>
+          <a:chOff x="0" y="0"/>
+          <a:chExt cx="0" cy="0"/>
+        </a:xfrm>
+      </p:grpSpPr>
+      <p:sp>
+        <p:nvSpPr>
+          <p:cNvPr id="2" name="Titel 1">
+            <a:extLst>
+              <a:ext uri="{FF2B5EF4-FFF2-40B4-BE49-F238E27FC236}">
+                <a16:creationId xmlns:a16="http://schemas.microsoft.com/office/drawing/2014/main" id="{7AB9AF6A-D9AF-4627-ADC7-DD25649B52E0}"/>
+              </a:ext>
+            </a:extLst>
+          </p:cNvPr>
+          <p:cNvSpPr>
+            <a:spLocks noGrp="1"/>
+          </p:cNvSpPr>
+          <p:nvPr>
+            <p:ph type="ctrTitle"/>
+          </p:nvPr>
+        </p:nvSpPr>
+        <p:spPr>
+          <a:xfrm>
+            <a:off x="1524000" y="1214438"/>
+            <a:ext cx="9144000" cy="2387600"/>
+          </a:xfrm>
+        </p:spPr>
+        <p:txBody>
+          <a:bodyPr/>
+          <a:lstStyle/>
+          <a:p>
+            <a:r>
+              <a:rPr lang="nl-BE" dirty="0"/>
+              <a:t>5. </a:t>
+            </a:r>
+            <a:r>
+              <a:rPr lang="nl-BE" dirty="0" err="1"/>
+              <a:t>enum</a:t>
+            </a:r>
+            <a:endParaRPr lang="nl-BE" dirty="0"/>
+          </a:p>
+        </p:txBody>
+      </p:sp>
+      <p:sp>
+        <p:nvSpPr>
+          <p:cNvPr id="3" name="Ondertitel 2">
+            <a:extLst>
+              <a:ext uri="{FF2B5EF4-FFF2-40B4-BE49-F238E27FC236}">
+                <a16:creationId xmlns:a16="http://schemas.microsoft.com/office/drawing/2014/main" id="{17F4B29F-A598-45B3-81BA-1D72509B7463}"/>
+              </a:ext>
+            </a:extLst>
+          </p:cNvPr>
+          <p:cNvSpPr>
+            <a:spLocks noGrp="1"/>
+          </p:cNvSpPr>
+          <p:nvPr>
+            <p:ph type="subTitle" idx="1"/>
+          </p:nvPr>
+        </p:nvSpPr>
+        <p:spPr/>
+        <p:txBody>
+          <a:bodyPr/>
+          <a:lstStyle/>
+          <a:p>
+            <a:r>
+              <a:rPr lang="nl-BE" dirty="0"/>
+              <a:t>H5. Beslissingen</a:t>
+            </a:r>
+          </a:p>
+        </p:txBody>
+      </p:sp>
+      <p:sp>
+        <p:nvSpPr>
+          <p:cNvPr id="4" name="Tijdelijke aanduiding voor voettekst 3">
+            <a:extLst>
+              <a:ext uri="{FF2B5EF4-FFF2-40B4-BE49-F238E27FC236}">
+                <a16:creationId xmlns:a16="http://schemas.microsoft.com/office/drawing/2014/main" id="{ADAF2EFB-AF4A-4FDA-B07B-121D7D25A598}"/>
+              </a:ext>
+            </a:extLst>
+          </p:cNvPr>
+          <p:cNvSpPr>
+            <a:spLocks noGrp="1"/>
+          </p:cNvSpPr>
+          <p:nvPr>
+            <p:ph type="ftr" sz="quarter" idx="11"/>
+          </p:nvPr>
+        </p:nvSpPr>
+        <p:spPr/>
+        <p:txBody>
+          <a:bodyPr/>
+          <a:lstStyle/>
+          <a:p>
+            <a:r>
+              <a:rPr lang="nl-BE"/>
+              <a:t>Ziescherp</a:t>
+            </a:r>
+          </a:p>
+        </p:txBody>
+      </p:sp>
+      <p:sp>
+        <p:nvSpPr>
+          <p:cNvPr id="5" name="Tijdelijke aanduiding voor dianummer 4">
+            <a:extLst>
+              <a:ext uri="{FF2B5EF4-FFF2-40B4-BE49-F238E27FC236}">
+                <a16:creationId xmlns:a16="http://schemas.microsoft.com/office/drawing/2014/main" id="{CA53F92E-9E69-4380-94C7-57ADF5B46DD3}"/>
+              </a:ext>
+            </a:extLst>
+          </p:cNvPr>
+          <p:cNvSpPr>
+            <a:spLocks noGrp="1"/>
+          </p:cNvSpPr>
+          <p:nvPr>
+            <p:ph type="sldNum" sz="quarter" idx="12"/>
+          </p:nvPr>
+        </p:nvSpPr>
+        <p:spPr/>
+        <p:txBody>
+          <a:bodyPr/>
+          <a:lstStyle/>
+          <a:p>
+            <a:fld id="{26F5612F-804E-460E-88BF-7B183C058243}" type="slidenum">
+              <a:rPr lang="nl-BE" smtClean="0"/>
+              <a:t>20</a:t>
+            </a:fld>
+            <a:endParaRPr lang="nl-BE"/>
+          </a:p>
+        </p:txBody>
+      </p:sp>
+    </p:spTree>
+    <p:extLst>
+      <p:ext uri="{BB962C8B-B14F-4D97-AF65-F5344CB8AC3E}">
+        <p14:creationId xmlns:p14="http://schemas.microsoft.com/office/powerpoint/2010/main" val="47121162"/>
+      </p:ext>
+    </p:extLst>
+  </p:cSld>
+  <p:clrMapOvr>
+    <a:masterClrMapping/>
+  </p:clrMapOvr>
+</p:sld>
+</file>
+
+<file path=ppt/slides/slide21.xml><?xml version="1.0" encoding="utf-8"?>
+<p:sld xmlns:a="http://schemas.openxmlformats.org/drawingml/2006/main" xmlns:r="http://schemas.openxmlformats.org/officeDocument/2006/relationships" xmlns:p="http://schemas.openxmlformats.org/presentationml/2006/main">
+  <p:cSld>
     <p:bg>
       <p:bgPr>
         <a:solidFill>
@@ -10086,6 +10105,263 @@
       </p:grpSpPr>
       <p:sp>
         <p:nvSpPr>
+          <p:cNvPr id="30722" name="Titel 1"/>
+          <p:cNvSpPr>
+            <a:spLocks noGrp="1"/>
+          </p:cNvSpPr>
+          <p:nvPr>
+            <p:ph type="title"/>
+          </p:nvPr>
+        </p:nvSpPr>
+        <p:spPr>
+          <a:xfrm>
+            <a:off x="1179226" y="826680"/>
+            <a:ext cx="9833548" cy="1325563"/>
+          </a:xfrm>
+        </p:spPr>
+        <p:txBody>
+          <a:bodyPr>
+            <a:normAutofit/>
+          </a:bodyPr>
+          <a:lstStyle/>
+          <a:p>
+            <a:pPr algn="ctr"/>
+            <a:r>
+              <a:rPr lang="en-IE" sz="4000" dirty="0" err="1"/>
+              <a:t>Enumeratie</a:t>
+            </a:r>
+            <a:r>
+              <a:rPr lang="en-IE" sz="4000" dirty="0"/>
+              <a:t> en states</a:t>
+            </a:r>
+          </a:p>
+        </p:txBody>
+      </p:sp>
+      <p:sp>
+        <p:nvSpPr>
+          <p:cNvPr id="3" name="Tijdelijke aanduiding voor inhoud 2"/>
+          <p:cNvSpPr>
+            <a:spLocks noGrp="1"/>
+          </p:cNvSpPr>
+          <p:nvPr>
+            <p:ph idx="1"/>
+          </p:nvPr>
+        </p:nvSpPr>
+        <p:spPr>
+          <a:xfrm>
+            <a:off x="1179226" y="3092970"/>
+            <a:ext cx="9833548" cy="2693976"/>
+          </a:xfrm>
+        </p:spPr>
+        <p:txBody>
+          <a:bodyPr>
+            <a:normAutofit/>
+          </a:bodyPr>
+          <a:lstStyle/>
+          <a:p>
+            <a:r>
+              <a:rPr lang="en-IE" sz="2000">
+                <a:solidFill>
+                  <a:srgbClr val="000000"/>
+                </a:solidFill>
+              </a:rPr>
+              <a:t>Enemuration of enumeratie = nummering</a:t>
+            </a:r>
+          </a:p>
+          <a:p>
+            <a:endParaRPr lang="en-IE" sz="2000">
+              <a:solidFill>
+                <a:srgbClr val="000000"/>
+              </a:solidFill>
+            </a:endParaRPr>
+          </a:p>
+          <a:p>
+            <a:r>
+              <a:rPr lang="en-IE" sz="2000">
+                <a:solidFill>
+                  <a:srgbClr val="000000"/>
+                </a:solidFill>
+              </a:rPr>
+              <a:t>Enumerated types: speciaal type (maar duur woord)</a:t>
+            </a:r>
+          </a:p>
+          <a:p>
+            <a:endParaRPr lang="en-IE" sz="2000">
+              <a:solidFill>
+                <a:srgbClr val="000000"/>
+              </a:solidFill>
+            </a:endParaRPr>
+          </a:p>
+          <a:p>
+            <a:endParaRPr lang="en-IE" sz="2000">
+              <a:solidFill>
+                <a:srgbClr val="000000"/>
+              </a:solidFill>
+            </a:endParaRPr>
+          </a:p>
+        </p:txBody>
+      </p:sp>
+      <p:sp>
+        <p:nvSpPr>
+          <p:cNvPr id="4" name="Tijdelijke aanduiding voor dianummer 3"/>
+          <p:cNvSpPr>
+            <a:spLocks noGrp="1"/>
+          </p:cNvSpPr>
+          <p:nvPr>
+            <p:ph type="sldNum" sz="quarter" idx="12"/>
+          </p:nvPr>
+        </p:nvSpPr>
+        <p:spPr>
+          <a:xfrm>
+            <a:off x="10825930" y="6223702"/>
+            <a:ext cx="570728" cy="314067"/>
+          </a:xfrm>
+          <a:prstGeom prst="rect">
+            <a:avLst/>
+          </a:prstGeom>
+        </p:spPr>
+        <p:txBody>
+          <a:bodyPr>
+            <a:normAutofit/>
+          </a:bodyPr>
+          <a:lstStyle/>
+          <a:p>
+            <a:pPr marL="0" marR="0" lvl="0" indent="0" algn="r" defTabSz="914400" rtl="0" eaLnBrk="1" fontAlgn="auto" latinLnBrk="0" hangingPunct="1">
+              <a:lnSpc>
+                <a:spcPct val="100000"/>
+              </a:lnSpc>
+              <a:spcBef>
+                <a:spcPts val="0"/>
+              </a:spcBef>
+              <a:spcAft>
+                <a:spcPts val="600"/>
+              </a:spcAft>
+              <a:buClrTx/>
+              <a:buSzTx/>
+              <a:buFontTx/>
+              <a:buNone/>
+              <a:tabLst/>
+              <a:defRPr/>
+            </a:pPr>
+            <a:fld id="{9628E084-3F5F-499D-A54A-E40CF1A76854}" type="slidenum">
+              <a:rPr kumimoji="0" lang="nl-NL" sz="1000" b="0" i="0" u="none" strike="noStrike" kern="1200" cap="none" spc="0" normalizeH="0" baseline="0" noProof="0">
+                <a:ln>
+                  <a:noFill/>
+                </a:ln>
+                <a:solidFill>
+                  <a:srgbClr val="898989"/>
+                </a:solidFill>
+                <a:effectLst/>
+                <a:uLnTx/>
+                <a:uFillTx/>
+                <a:latin typeface="Calibri" panose="020F0502020204030204"/>
+                <a:ea typeface="+mn-ea"/>
+                <a:cs typeface="+mn-cs"/>
+              </a:rPr>
+              <a:pPr marL="0" marR="0" lvl="0" indent="0" algn="r" defTabSz="914400" rtl="0" eaLnBrk="1" fontAlgn="auto" latinLnBrk="0" hangingPunct="1">
+                <a:lnSpc>
+                  <a:spcPct val="100000"/>
+                </a:lnSpc>
+                <a:spcBef>
+                  <a:spcPts val="0"/>
+                </a:spcBef>
+                <a:spcAft>
+                  <a:spcPts val="600"/>
+                </a:spcAft>
+                <a:buClrTx/>
+                <a:buSzTx/>
+                <a:buFontTx/>
+                <a:buNone/>
+                <a:tabLst/>
+                <a:defRPr/>
+              </a:pPr>
+              <a:t>21</a:t>
+            </a:fld>
+            <a:endParaRPr kumimoji="0" lang="nl-NL" sz="1000" b="0" i="0" u="none" strike="noStrike" kern="1200" cap="none" spc="0" normalizeH="0" baseline="0" noProof="0">
+              <a:ln>
+                <a:noFill/>
+              </a:ln>
+              <a:solidFill>
+                <a:srgbClr val="898989"/>
+              </a:solidFill>
+              <a:effectLst/>
+              <a:uLnTx/>
+              <a:uFillTx/>
+              <a:latin typeface="Calibri" panose="020F0502020204030204"/>
+              <a:ea typeface="+mn-ea"/>
+              <a:cs typeface="+mn-cs"/>
+            </a:endParaRPr>
+          </a:p>
+        </p:txBody>
+      </p:sp>
+      <p:sp>
+        <p:nvSpPr>
+          <p:cNvPr id="2" name="Tijdelijke aanduiding voor voettekst 1">
+            <a:extLst>
+              <a:ext uri="{FF2B5EF4-FFF2-40B4-BE49-F238E27FC236}">
+                <a16:creationId xmlns:a16="http://schemas.microsoft.com/office/drawing/2014/main" id="{43F77EFD-EAF5-4EEA-BA50-A95E00E1F6D6}"/>
+              </a:ext>
+            </a:extLst>
+          </p:cNvPr>
+          <p:cNvSpPr>
+            <a:spLocks noGrp="1"/>
+          </p:cNvSpPr>
+          <p:nvPr>
+            <p:ph type="ftr" sz="quarter" idx="11"/>
+          </p:nvPr>
+        </p:nvSpPr>
+        <p:spPr/>
+        <p:txBody>
+          <a:bodyPr/>
+          <a:lstStyle/>
+          <a:p>
+            <a:r>
+              <a:rPr lang="nl-BE"/>
+              <a:t>Ziescherp</a:t>
+            </a:r>
+          </a:p>
+        </p:txBody>
+      </p:sp>
+    </p:spTree>
+    <p:extLst>
+      <p:ext uri="{BB962C8B-B14F-4D97-AF65-F5344CB8AC3E}">
+        <p14:creationId xmlns:p14="http://schemas.microsoft.com/office/powerpoint/2010/main" val="4160506614"/>
+      </p:ext>
+    </p:extLst>
+  </p:cSld>
+  <p:clrMapOvr>
+    <a:masterClrMapping/>
+  </p:clrMapOvr>
+</p:sld>
+</file>
+
+<file path=ppt/slides/slide22.xml><?xml version="1.0" encoding="utf-8"?>
+<p:sld xmlns:a="http://schemas.openxmlformats.org/drawingml/2006/main" xmlns:r="http://schemas.openxmlformats.org/officeDocument/2006/relationships" xmlns:p="http://schemas.openxmlformats.org/presentationml/2006/main">
+  <p:cSld>
+    <p:bg>
+      <p:bgPr>
+        <a:solidFill>
+          <a:schemeClr val="bg1"/>
+        </a:solidFill>
+        <a:effectLst/>
+      </p:bgPr>
+    </p:bg>
+    <p:spTree>
+      <p:nvGrpSpPr>
+        <p:cNvPr id="1" name=""/>
+        <p:cNvGrpSpPr/>
+        <p:nvPr/>
+      </p:nvGrpSpPr>
+      <p:grpSpPr>
+        <a:xfrm>
+          <a:off x="0" y="0"/>
+          <a:ext cx="0" cy="0"/>
+          <a:chOff x="0" y="0"/>
+          <a:chExt cx="0" cy="0"/>
+        </a:xfrm>
+      </p:grpSpPr>
+      <p:sp>
+        <p:nvSpPr>
           <p:cNvPr id="2" name="Titel 1">
             <a:extLst>
               <a:ext uri="{FF2B5EF4-FFF2-40B4-BE49-F238E27FC236}">
@@ -10243,7 +10519,7 @@
           <a:p>
             <a:fld id="{26F5612F-804E-460E-88BF-7B183C058243}" type="slidenum">
               <a:rPr lang="nl-BE" smtClean="0"/>
-              <a:t>20</a:t>
+              <a:t>22</a:t>
             </a:fld>
             <a:endParaRPr lang="nl-BE"/>
           </a:p>
@@ -10262,7 +10538,7 @@
 </p:sld>
 </file>
 
-<file path=ppt/slides/slide21.xml><?xml version="1.0" encoding="utf-8"?>
+<file path=ppt/slides/slide23.xml><?xml version="1.0" encoding="utf-8"?>
 <p:sld xmlns:a="http://schemas.openxmlformats.org/drawingml/2006/main" xmlns:r="http://schemas.openxmlformats.org/officeDocument/2006/relationships" xmlns:p="http://schemas.openxmlformats.org/presentationml/2006/main">
   <p:cSld>
     <p:bg>
@@ -10511,7 +10787,7 @@
                 <a:tabLst/>
                 <a:defRPr/>
               </a:pPr>
-              <a:t>21</a:t>
+              <a:t>23</a:t>
             </a:fld>
             <a:endParaRPr kumimoji="0" lang="nl-NL" sz="1100" b="0" i="0" u="none" strike="noStrike" kern="1200" cap="none" spc="0" normalizeH="0" baseline="0" noProof="0">
               <a:ln>
@@ -10694,7 +10970,7 @@
 </p:sld>
 </file>
 
-<file path=ppt/slides/slide22.xml><?xml version="1.0" encoding="utf-8"?>
+<file path=ppt/slides/slide24.xml><?xml version="1.0" encoding="utf-8"?>
 <p:sld xmlns:a="http://schemas.openxmlformats.org/drawingml/2006/main" xmlns:r="http://schemas.openxmlformats.org/officeDocument/2006/relationships" xmlns:p="http://schemas.openxmlformats.org/presentationml/2006/main">
   <p:cSld>
     <p:spTree>
@@ -10909,7 +11185,7 @@
                 <a:tabLst/>
                 <a:defRPr/>
               </a:pPr>
-              <a:t>22</a:t>
+              <a:t>24</a:t>
             </a:fld>
             <a:endParaRPr kumimoji="0" lang="nl-NL" sz="1200" b="0" i="0" u="none" strike="noStrike" kern="1200" cap="none" spc="0" normalizeH="0" baseline="0" noProof="0" dirty="0">
               <a:ln>
@@ -11020,7 +11296,7 @@
 </p:sld>
 </file>
 
-<file path=ppt/slides/slide23.xml><?xml version="1.0" encoding="utf-8"?>
+<file path=ppt/slides/slide25.xml><?xml version="1.0" encoding="utf-8"?>
 <p:sld xmlns:a="http://schemas.openxmlformats.org/drawingml/2006/main" xmlns:r="http://schemas.openxmlformats.org/officeDocument/2006/relationships" xmlns:p="http://schemas.openxmlformats.org/presentationml/2006/main">
   <p:cSld>
     <p:spTree>
@@ -11190,7 +11466,7 @@
                 <a:tabLst/>
                 <a:defRPr/>
               </a:pPr>
-              <a:t>23</a:t>
+              <a:t>25</a:t>
             </a:fld>
             <a:endParaRPr kumimoji="0" lang="nl-NL" sz="1200" b="0" i="0" u="none" strike="noStrike" kern="1200" cap="none" spc="0" normalizeH="0" baseline="0" noProof="0" dirty="0">
               <a:ln>
@@ -11617,7 +11893,7 @@
 </p:sld>
 </file>
 
-<file path=ppt/slides/slide24.xml><?xml version="1.0" encoding="utf-8"?>
+<file path=ppt/slides/slide26.xml><?xml version="1.0" encoding="utf-8"?>
 <p:sld xmlns:a="http://schemas.openxmlformats.org/drawingml/2006/main" xmlns:r="http://schemas.openxmlformats.org/officeDocument/2006/relationships" xmlns:p="http://schemas.openxmlformats.org/presentationml/2006/main">
   <p:cSld>
     <p:spTree>
@@ -11804,7 +12080,7 @@
                 <a:tabLst/>
                 <a:defRPr/>
               </a:pPr>
-              <a:t>24</a:t>
+              <a:t>26</a:t>
             </a:fld>
             <a:endParaRPr kumimoji="0" lang="nl-NL" sz="1200" b="0" i="0" u="none" strike="noStrike" kern="1200" cap="none" spc="0" normalizeH="0" baseline="0" noProof="0" dirty="0">
               <a:ln>
@@ -12010,597 +12286,6 @@
 </p:sld>
 </file>
 
-<file path=ppt/slides/slide25.xml><?xml version="1.0" encoding="utf-8"?>
-<p:sld xmlns:a="http://schemas.openxmlformats.org/drawingml/2006/main" xmlns:r="http://schemas.openxmlformats.org/officeDocument/2006/relationships" xmlns:p="http://schemas.openxmlformats.org/presentationml/2006/main">
-  <p:cSld>
-    <p:spTree>
-      <p:nvGrpSpPr>
-        <p:cNvPr id="1" name=""/>
-        <p:cNvGrpSpPr/>
-        <p:nvPr/>
-      </p:nvGrpSpPr>
-      <p:grpSpPr>
-        <a:xfrm>
-          <a:off x="0" y="0"/>
-          <a:ext cx="0" cy="0"/>
-          <a:chOff x="0" y="0"/>
-          <a:chExt cx="0" cy="0"/>
-        </a:xfrm>
-      </p:grpSpPr>
-      <p:sp>
-        <p:nvSpPr>
-          <p:cNvPr id="35842" name="Titel 1"/>
-          <p:cNvSpPr>
-            <a:spLocks noGrp="1"/>
-          </p:cNvSpPr>
-          <p:nvPr>
-            <p:ph type="title"/>
-          </p:nvPr>
-        </p:nvSpPr>
-        <p:spPr/>
-        <p:txBody>
-          <a:bodyPr/>
-          <a:lstStyle/>
-          <a:p>
-            <a:r>
-              <a:rPr lang="en-IE"/>
-              <a:t>Gebruik enum</a:t>
-            </a:r>
-          </a:p>
-        </p:txBody>
-      </p:sp>
-      <p:sp>
-        <p:nvSpPr>
-          <p:cNvPr id="35843" name="Tijdelijke aanduiding voor inhoud 2"/>
-          <p:cNvSpPr>
-            <a:spLocks noGrp="1"/>
-          </p:cNvSpPr>
-          <p:nvPr>
-            <p:ph idx="1"/>
-          </p:nvPr>
-        </p:nvSpPr>
-        <p:spPr/>
-        <p:txBody>
-          <a:bodyPr/>
-          <a:lstStyle/>
-          <a:p>
-            <a:r>
-              <a:rPr lang="en-IE"/>
-              <a:t>SeaState is als het ware een nieuw type (zoals int, double) die maar 6 mogelijke waarden kan bevatten.</a:t>
-            </a:r>
-          </a:p>
-          <a:p>
-            <a:endParaRPr lang="en-IE"/>
-          </a:p>
-          <a:p>
-            <a:endParaRPr lang="en-IE"/>
-          </a:p>
-        </p:txBody>
-      </p:sp>
-      <p:sp>
-        <p:nvSpPr>
-          <p:cNvPr id="4" name="Tijdelijke aanduiding voor dianummer 3"/>
-          <p:cNvSpPr>
-            <a:spLocks noGrp="1"/>
-          </p:cNvSpPr>
-          <p:nvPr>
-            <p:ph type="sldNum" sz="quarter" idx="12"/>
-          </p:nvPr>
-        </p:nvSpPr>
-        <p:spPr>
-          <a:xfrm>
-            <a:off x="8042275" y="6470650"/>
-            <a:ext cx="2406650" cy="312738"/>
-          </a:xfrm>
-          <a:prstGeom prst="rect">
-            <a:avLst/>
-          </a:prstGeom>
-        </p:spPr>
-        <p:txBody>
-          <a:bodyPr/>
-          <a:lstStyle/>
-          <a:p>
-            <a:pPr marL="0" marR="0" lvl="0" indent="0" algn="r" defTabSz="914400" rtl="0" eaLnBrk="1" fontAlgn="auto" latinLnBrk="0" hangingPunct="1">
-              <a:lnSpc>
-                <a:spcPct val="100000"/>
-              </a:lnSpc>
-              <a:spcBef>
-                <a:spcPts val="0"/>
-              </a:spcBef>
-              <a:spcAft>
-                <a:spcPts val="0"/>
-              </a:spcAft>
-              <a:buClrTx/>
-              <a:buSzTx/>
-              <a:buFontTx/>
-              <a:buNone/>
-              <a:tabLst/>
-              <a:defRPr/>
-            </a:pPr>
-            <a:fld id="{E179F1F0-BC89-44EB-93B0-3A08951E9484}" type="slidenum">
-              <a:rPr kumimoji="0" lang="nl-NL" sz="1200" b="0" i="0" u="none" strike="noStrike" kern="1200" cap="none" spc="0" normalizeH="0" baseline="0" noProof="0" smtClean="0">
-                <a:ln>
-                  <a:noFill/>
-                </a:ln>
-                <a:solidFill>
-                  <a:prstClr val="black">
-                    <a:tint val="75000"/>
-                  </a:prstClr>
-                </a:solidFill>
-                <a:effectLst/>
-                <a:uLnTx/>
-                <a:uFillTx/>
-                <a:latin typeface="Calibri" panose="020F0502020204030204"/>
-                <a:ea typeface="+mn-ea"/>
-                <a:cs typeface="+mn-cs"/>
-              </a:rPr>
-              <a:pPr marL="0" marR="0" lvl="0" indent="0" algn="r" defTabSz="914400" rtl="0" eaLnBrk="1" fontAlgn="auto" latinLnBrk="0" hangingPunct="1">
-                <a:lnSpc>
-                  <a:spcPct val="100000"/>
-                </a:lnSpc>
-                <a:spcBef>
-                  <a:spcPts val="0"/>
-                </a:spcBef>
-                <a:spcAft>
-                  <a:spcPts val="0"/>
-                </a:spcAft>
-                <a:buClrTx/>
-                <a:buSzTx/>
-                <a:buFontTx/>
-                <a:buNone/>
-                <a:tabLst/>
-                <a:defRPr/>
-              </a:pPr>
-              <a:t>25</a:t>
-            </a:fld>
-            <a:endParaRPr kumimoji="0" lang="nl-NL" sz="1200" b="0" i="0" u="none" strike="noStrike" kern="1200" cap="none" spc="0" normalizeH="0" baseline="0" noProof="0" dirty="0">
-              <a:ln>
-                <a:noFill/>
-              </a:ln>
-              <a:solidFill>
-                <a:prstClr val="black">
-                  <a:tint val="75000"/>
-                </a:prstClr>
-              </a:solidFill>
-              <a:effectLst/>
-              <a:uLnTx/>
-              <a:uFillTx/>
-              <a:latin typeface="Calibri" panose="020F0502020204030204"/>
-              <a:ea typeface="+mn-ea"/>
-              <a:cs typeface="+mn-cs"/>
-            </a:endParaRPr>
-          </a:p>
-        </p:txBody>
-      </p:sp>
-      <p:pic>
-        <p:nvPicPr>
-          <p:cNvPr id="35845" name="Picture 2"/>
-          <p:cNvPicPr>
-            <a:picLocks noChangeAspect="1" noChangeArrowheads="1"/>
-          </p:cNvPicPr>
-          <p:nvPr/>
-        </p:nvPicPr>
-        <p:blipFill>
-          <a:blip r:embed="rId2" cstate="print"/>
-          <a:srcRect/>
-          <a:stretch>
-            <a:fillRect/>
-          </a:stretch>
-        </p:blipFill>
-        <p:spPr bwMode="auto">
-          <a:xfrm>
-            <a:off x="3206686" y="3365866"/>
-            <a:ext cx="6861175" cy="1833563"/>
-          </a:xfrm>
-          <a:prstGeom prst="rect">
-            <a:avLst/>
-          </a:prstGeom>
-          <a:noFill/>
-          <a:ln w="9525">
-            <a:noFill/>
-            <a:miter lim="800000"/>
-            <a:headEnd/>
-            <a:tailEnd/>
-          </a:ln>
-        </p:spPr>
-      </p:pic>
-      <p:sp>
-        <p:nvSpPr>
-          <p:cNvPr id="2" name="Tijdelijke aanduiding voor voettekst 1">
-            <a:extLst>
-              <a:ext uri="{FF2B5EF4-FFF2-40B4-BE49-F238E27FC236}">
-                <a16:creationId xmlns:a16="http://schemas.microsoft.com/office/drawing/2014/main" id="{4AC12F7C-B08A-43F5-ABCD-086817504CC0}"/>
-              </a:ext>
-            </a:extLst>
-          </p:cNvPr>
-          <p:cNvSpPr>
-            <a:spLocks noGrp="1"/>
-          </p:cNvSpPr>
-          <p:nvPr>
-            <p:ph type="ftr" sz="quarter" idx="11"/>
-          </p:nvPr>
-        </p:nvSpPr>
-        <p:spPr/>
-        <p:txBody>
-          <a:bodyPr/>
-          <a:lstStyle/>
-          <a:p>
-            <a:r>
-              <a:rPr lang="nl-BE"/>
-              <a:t>Ziescherp</a:t>
-            </a:r>
-          </a:p>
-        </p:txBody>
-      </p:sp>
-    </p:spTree>
-    <p:extLst>
-      <p:ext uri="{BB962C8B-B14F-4D97-AF65-F5344CB8AC3E}">
-        <p14:creationId xmlns:p14="http://schemas.microsoft.com/office/powerpoint/2010/main" val="1383035787"/>
-      </p:ext>
-    </p:extLst>
-  </p:cSld>
-  <p:clrMapOvr>
-    <a:masterClrMapping/>
-  </p:clrMapOvr>
-</p:sld>
-</file>
-
-<file path=ppt/slides/slide26.xml><?xml version="1.0" encoding="utf-8"?>
-<p:sld xmlns:a="http://schemas.openxmlformats.org/drawingml/2006/main" xmlns:r="http://schemas.openxmlformats.org/officeDocument/2006/relationships" xmlns:p="http://schemas.openxmlformats.org/presentationml/2006/main">
-  <p:cSld>
-    <p:spTree>
-      <p:nvGrpSpPr>
-        <p:cNvPr id="1" name=""/>
-        <p:cNvGrpSpPr/>
-        <p:nvPr/>
-      </p:nvGrpSpPr>
-      <p:grpSpPr>
-        <a:xfrm>
-          <a:off x="0" y="0"/>
-          <a:ext cx="0" cy="0"/>
-          <a:chOff x="0" y="0"/>
-          <a:chExt cx="0" cy="0"/>
-        </a:xfrm>
-      </p:grpSpPr>
-      <p:sp>
-        <p:nvSpPr>
-          <p:cNvPr id="35842" name="Titel 1"/>
-          <p:cNvSpPr>
-            <a:spLocks noGrp="1"/>
-          </p:cNvSpPr>
-          <p:nvPr>
-            <p:ph type="title"/>
-          </p:nvPr>
-        </p:nvSpPr>
-        <p:spPr/>
-        <p:txBody>
-          <a:bodyPr/>
-          <a:lstStyle/>
-          <a:p>
-            <a:r>
-              <a:rPr lang="en-IE" dirty="0" err="1"/>
-              <a:t>Slowmotion</a:t>
-            </a:r>
-            <a:endParaRPr lang="en-IE" dirty="0"/>
-          </a:p>
-        </p:txBody>
-      </p:sp>
-      <p:sp>
-        <p:nvSpPr>
-          <p:cNvPr id="35843" name="Tijdelijke aanduiding voor inhoud 2"/>
-          <p:cNvSpPr>
-            <a:spLocks noGrp="1"/>
-          </p:cNvSpPr>
-          <p:nvPr>
-            <p:ph idx="1"/>
-          </p:nvPr>
-        </p:nvSpPr>
-        <p:spPr/>
-        <p:txBody>
-          <a:bodyPr/>
-          <a:lstStyle/>
-          <a:p>
-            <a:r>
-              <a:rPr lang="en-IE" dirty="0"/>
-              <a:t>1° </a:t>
-            </a:r>
-            <a:r>
-              <a:rPr lang="en-IE" dirty="0" err="1"/>
-              <a:t>Variabele</a:t>
-            </a:r>
-            <a:r>
-              <a:rPr lang="en-IE" dirty="0"/>
-              <a:t> van het type </a:t>
-            </a:r>
-            <a:r>
-              <a:rPr lang="en-IE" dirty="0" err="1"/>
-              <a:t>SeaState</a:t>
-            </a:r>
-            <a:r>
-              <a:rPr lang="en-IE" dirty="0"/>
-              <a:t> </a:t>
-            </a:r>
-            <a:r>
-              <a:rPr lang="en-IE" dirty="0" err="1"/>
-              <a:t>aanmaken</a:t>
-            </a:r>
-            <a:r>
-              <a:rPr lang="en-IE" dirty="0"/>
-              <a:t>, </a:t>
-            </a:r>
-            <a:r>
-              <a:rPr lang="en-IE" dirty="0" err="1"/>
-              <a:t>genaamd</a:t>
-            </a:r>
-            <a:r>
-              <a:rPr lang="en-IE" dirty="0"/>
-              <a:t> </a:t>
-            </a:r>
-            <a:r>
-              <a:rPr lang="en-IE" dirty="0" err="1"/>
-              <a:t>openSea</a:t>
-            </a:r>
-            <a:endParaRPr lang="en-IE" dirty="0"/>
-          </a:p>
-          <a:p>
-            <a:endParaRPr lang="en-IE" dirty="0"/>
-          </a:p>
-          <a:p>
-            <a:endParaRPr lang="en-IE" dirty="0"/>
-          </a:p>
-        </p:txBody>
-      </p:sp>
-      <p:sp>
-        <p:nvSpPr>
-          <p:cNvPr id="4" name="Tijdelijke aanduiding voor dianummer 3"/>
-          <p:cNvSpPr>
-            <a:spLocks noGrp="1"/>
-          </p:cNvSpPr>
-          <p:nvPr>
-            <p:ph type="sldNum" sz="quarter" idx="12"/>
-          </p:nvPr>
-        </p:nvSpPr>
-        <p:spPr>
-          <a:xfrm>
-            <a:off x="8042275" y="6470650"/>
-            <a:ext cx="2406650" cy="312738"/>
-          </a:xfrm>
-          <a:prstGeom prst="rect">
-            <a:avLst/>
-          </a:prstGeom>
-        </p:spPr>
-        <p:txBody>
-          <a:bodyPr/>
-          <a:lstStyle/>
-          <a:p>
-            <a:pPr marL="0" marR="0" lvl="0" indent="0" algn="r" defTabSz="914400" rtl="0" eaLnBrk="1" fontAlgn="auto" latinLnBrk="0" hangingPunct="1">
-              <a:lnSpc>
-                <a:spcPct val="100000"/>
-              </a:lnSpc>
-              <a:spcBef>
-                <a:spcPts val="0"/>
-              </a:spcBef>
-              <a:spcAft>
-                <a:spcPts val="0"/>
-              </a:spcAft>
-              <a:buClrTx/>
-              <a:buSzTx/>
-              <a:buFontTx/>
-              <a:buNone/>
-              <a:tabLst/>
-              <a:defRPr/>
-            </a:pPr>
-            <a:fld id="{E179F1F0-BC89-44EB-93B0-3A08951E9484}" type="slidenum">
-              <a:rPr kumimoji="0" lang="nl-NL" sz="1200" b="0" i="0" u="none" strike="noStrike" kern="1200" cap="none" spc="0" normalizeH="0" baseline="0" noProof="0" smtClean="0">
-                <a:ln>
-                  <a:noFill/>
-                </a:ln>
-                <a:solidFill>
-                  <a:prstClr val="black">
-                    <a:tint val="75000"/>
-                  </a:prstClr>
-                </a:solidFill>
-                <a:effectLst/>
-                <a:uLnTx/>
-                <a:uFillTx/>
-                <a:latin typeface="Calibri" panose="020F0502020204030204"/>
-                <a:ea typeface="+mn-ea"/>
-                <a:cs typeface="+mn-cs"/>
-              </a:rPr>
-              <a:pPr marL="0" marR="0" lvl="0" indent="0" algn="r" defTabSz="914400" rtl="0" eaLnBrk="1" fontAlgn="auto" latinLnBrk="0" hangingPunct="1">
-                <a:lnSpc>
-                  <a:spcPct val="100000"/>
-                </a:lnSpc>
-                <a:spcBef>
-                  <a:spcPts val="0"/>
-                </a:spcBef>
-                <a:spcAft>
-                  <a:spcPts val="0"/>
-                </a:spcAft>
-                <a:buClrTx/>
-                <a:buSzTx/>
-                <a:buFontTx/>
-                <a:buNone/>
-                <a:tabLst/>
-                <a:defRPr/>
-              </a:pPr>
-              <a:t>26</a:t>
-            </a:fld>
-            <a:endParaRPr kumimoji="0" lang="nl-NL" sz="1200" b="0" i="0" u="none" strike="noStrike" kern="1200" cap="none" spc="0" normalizeH="0" baseline="0" noProof="0" dirty="0">
-              <a:ln>
-                <a:noFill/>
-              </a:ln>
-              <a:solidFill>
-                <a:prstClr val="black">
-                  <a:tint val="75000"/>
-                </a:prstClr>
-              </a:solidFill>
-              <a:effectLst/>
-              <a:uLnTx/>
-              <a:uFillTx/>
-              <a:latin typeface="Calibri" panose="020F0502020204030204"/>
-              <a:ea typeface="+mn-ea"/>
-              <a:cs typeface="+mn-cs"/>
-            </a:endParaRPr>
-          </a:p>
-        </p:txBody>
-      </p:sp>
-      <p:pic>
-        <p:nvPicPr>
-          <p:cNvPr id="35845" name="Picture 2"/>
-          <p:cNvPicPr>
-            <a:picLocks noChangeAspect="1" noChangeArrowheads="1"/>
-          </p:cNvPicPr>
-          <p:nvPr/>
-        </p:nvPicPr>
-        <p:blipFill>
-          <a:blip r:embed="rId2" cstate="print"/>
-          <a:srcRect/>
-          <a:stretch>
-            <a:fillRect/>
-          </a:stretch>
-        </p:blipFill>
-        <p:spPr bwMode="auto">
-          <a:xfrm>
-            <a:off x="3515092" y="2949246"/>
-            <a:ext cx="6861175" cy="1833563"/>
-          </a:xfrm>
-          <a:prstGeom prst="rect">
-            <a:avLst/>
-          </a:prstGeom>
-          <a:noFill/>
-          <a:ln w="9525">
-            <a:noFill/>
-            <a:miter lim="800000"/>
-            <a:headEnd/>
-            <a:tailEnd/>
-          </a:ln>
-        </p:spPr>
-      </p:pic>
-      <p:sp>
-        <p:nvSpPr>
-          <p:cNvPr id="2" name="Rechthoek 1">
-            <a:extLst>
-              <a:ext uri="{FF2B5EF4-FFF2-40B4-BE49-F238E27FC236}">
-                <a16:creationId xmlns:a16="http://schemas.microsoft.com/office/drawing/2014/main" id="{28CF24D6-DAEB-4986-A2A4-7632DCC298C9}"/>
-              </a:ext>
-            </a:extLst>
-          </p:cNvPr>
-          <p:cNvSpPr/>
-          <p:nvPr/>
-        </p:nvSpPr>
-        <p:spPr>
-          <a:xfrm>
-            <a:off x="3268033" y="3278854"/>
-            <a:ext cx="7347664" cy="1547447"/>
-          </a:xfrm>
-          <a:prstGeom prst="rect">
-            <a:avLst/>
-          </a:prstGeom>
-          <a:solidFill>
-            <a:schemeClr val="bg1"/>
-          </a:solidFill>
-          <a:ln>
-            <a:solidFill>
-              <a:schemeClr val="bg1"/>
-            </a:solidFill>
-          </a:ln>
-        </p:spPr>
-        <p:style>
-          <a:lnRef idx="2">
-            <a:schemeClr val="accent1">
-              <a:shade val="50000"/>
-            </a:schemeClr>
-          </a:lnRef>
-          <a:fillRef idx="1">
-            <a:schemeClr val="accent1"/>
-          </a:fillRef>
-          <a:effectRef idx="0">
-            <a:schemeClr val="accent1"/>
-          </a:effectRef>
-          <a:fontRef idx="minor">
-            <a:schemeClr val="lt1"/>
-          </a:fontRef>
-        </p:style>
-        <p:txBody>
-          <a:bodyPr rtlCol="0" anchor="ctr"/>
-          <a:lstStyle/>
-          <a:p>
-            <a:pPr marL="0" marR="0" lvl="0" indent="0" algn="ctr" defTabSz="914400" rtl="0" eaLnBrk="1" fontAlgn="auto" latinLnBrk="0" hangingPunct="1">
-              <a:lnSpc>
-                <a:spcPct val="100000"/>
-              </a:lnSpc>
-              <a:spcBef>
-                <a:spcPts val="0"/>
-              </a:spcBef>
-              <a:spcAft>
-                <a:spcPts val="0"/>
-              </a:spcAft>
-              <a:buClrTx/>
-              <a:buSzTx/>
-              <a:buFontTx/>
-              <a:buNone/>
-              <a:tabLst/>
-              <a:defRPr/>
-            </a:pPr>
-            <a:endParaRPr kumimoji="0" lang="nl-BE" sz="1800" b="0" i="0" u="none" strike="noStrike" kern="1200" cap="none" spc="0" normalizeH="0" baseline="0" noProof="0">
-              <a:ln>
-                <a:noFill/>
-              </a:ln>
-              <a:solidFill>
-                <a:prstClr val="white"/>
-              </a:solidFill>
-              <a:effectLst/>
-              <a:uLnTx/>
-              <a:uFillTx/>
-              <a:latin typeface="Calibri" panose="020F0502020204030204"/>
-              <a:ea typeface="+mn-ea"/>
-              <a:cs typeface="+mn-cs"/>
-            </a:endParaRPr>
-          </a:p>
-        </p:txBody>
-      </p:sp>
-      <p:sp>
-        <p:nvSpPr>
-          <p:cNvPr id="3" name="Tijdelijke aanduiding voor voettekst 2">
-            <a:extLst>
-              <a:ext uri="{FF2B5EF4-FFF2-40B4-BE49-F238E27FC236}">
-                <a16:creationId xmlns:a16="http://schemas.microsoft.com/office/drawing/2014/main" id="{25CA281A-4334-4672-82F7-A6A45B272574}"/>
-              </a:ext>
-            </a:extLst>
-          </p:cNvPr>
-          <p:cNvSpPr>
-            <a:spLocks noGrp="1"/>
-          </p:cNvSpPr>
-          <p:nvPr>
-            <p:ph type="ftr" sz="quarter" idx="11"/>
-          </p:nvPr>
-        </p:nvSpPr>
-        <p:spPr/>
-        <p:txBody>
-          <a:bodyPr/>
-          <a:lstStyle/>
-          <a:p>
-            <a:r>
-              <a:rPr lang="nl-BE"/>
-              <a:t>Ziescherp</a:t>
-            </a:r>
-          </a:p>
-        </p:txBody>
-      </p:sp>
-    </p:spTree>
-    <p:extLst>
-      <p:ext uri="{BB962C8B-B14F-4D97-AF65-F5344CB8AC3E}">
-        <p14:creationId xmlns:p14="http://schemas.microsoft.com/office/powerpoint/2010/main" val="1780115741"/>
-      </p:ext>
-    </p:extLst>
-  </p:cSld>
-  <p:clrMapOvr>
-    <a:masterClrMapping/>
-  </p:clrMapOvr>
-</p:sld>
-</file>
-
 <file path=ppt/slides/slide27.xml><?xml version="1.0" encoding="utf-8"?>
 <p:sld xmlns:a="http://schemas.openxmlformats.org/drawingml/2006/main" xmlns:r="http://schemas.openxmlformats.org/officeDocument/2006/relationships" xmlns:p="http://schemas.openxmlformats.org/presentationml/2006/main">
   <p:cSld>
@@ -12634,10 +12319,9 @@
           <a:lstStyle/>
           <a:p>
             <a:r>
-              <a:rPr lang="en-IE" dirty="0" err="1"/>
-              <a:t>Slowmotion</a:t>
-            </a:r>
-            <a:endParaRPr lang="en-IE" dirty="0"/>
+              <a:rPr lang="en-IE"/>
+              <a:t>Gebruik enum</a:t>
+            </a:r>
           </a:p>
         </p:txBody>
       </p:sp>
@@ -12657,68 +12341,15 @@
           <a:lstStyle/>
           <a:p>
             <a:r>
-              <a:rPr lang="en-IE" dirty="0"/>
-              <a:t>2° </a:t>
-            </a:r>
-            <a:r>
-              <a:rPr lang="en-IE" dirty="0" err="1"/>
-              <a:t>Variabele</a:t>
-            </a:r>
-            <a:r>
-              <a:rPr lang="en-IE" dirty="0"/>
-              <a:t> </a:t>
-            </a:r>
-            <a:r>
-              <a:rPr lang="en-IE" dirty="0" err="1"/>
-              <a:t>openSea</a:t>
-            </a:r>
-            <a:r>
-              <a:rPr lang="en-IE" dirty="0"/>
-              <a:t> </a:t>
-            </a:r>
-            <a:r>
-              <a:rPr lang="en-IE" dirty="0" err="1"/>
-              <a:t>een</a:t>
-            </a:r>
-            <a:r>
-              <a:rPr lang="en-IE" dirty="0"/>
-              <a:t> </a:t>
-            </a:r>
-            <a:r>
-              <a:rPr lang="en-IE" dirty="0" err="1"/>
-              <a:t>waarde</a:t>
-            </a:r>
-            <a:r>
-              <a:rPr lang="en-IE" dirty="0"/>
-              <a:t> </a:t>
-            </a:r>
-            <a:r>
-              <a:rPr lang="en-IE" dirty="0" err="1"/>
-              <a:t>geven</a:t>
-            </a:r>
-            <a:r>
-              <a:rPr lang="en-IE" dirty="0"/>
-              <a:t>, </a:t>
-            </a:r>
-            <a:r>
-              <a:rPr lang="en-IE" dirty="0" err="1"/>
-              <a:t>nl</a:t>
-            </a:r>
-            <a:r>
-              <a:rPr lang="en-IE" dirty="0"/>
-              <a:t>. </a:t>
-            </a:r>
-            <a:r>
-              <a:rPr lang="en-IE" dirty="0" err="1"/>
-              <a:t>EmptySea</a:t>
-            </a:r>
-            <a:endParaRPr lang="en-IE" dirty="0"/>
-          </a:p>
-          <a:p>
-            <a:endParaRPr lang="en-IE" dirty="0"/>
-          </a:p>
-          <a:p>
-            <a:endParaRPr lang="en-IE" dirty="0"/>
+              <a:rPr lang="en-IE"/>
+              <a:t>SeaState is als het ware een nieuw type (zoals int, double) die maar 6 mogelijke waarden kan bevatten.</a:t>
+            </a:r>
+          </a:p>
+          <a:p>
+            <a:endParaRPr lang="en-IE"/>
+          </a:p>
+          <a:p>
+            <a:endParaRPr lang="en-IE"/>
           </a:p>
         </p:txBody>
       </p:sp>
@@ -12834,7 +12465,7 @@
         </p:blipFill>
         <p:spPr bwMode="auto">
           <a:xfrm>
-            <a:off x="3515092" y="2949246"/>
+            <a:off x="3206686" y="3365866"/>
             <a:ext cx="6861175" cy="1833563"/>
           </a:xfrm>
           <a:prstGeom prst="rect">
@@ -12851,96 +12482,13 @@
       </p:pic>
       <p:sp>
         <p:nvSpPr>
-          <p:cNvPr id="2" name="Rechthoek 1">
+          <p:cNvPr id="2" name="Tijdelijke aanduiding voor voettekst 1">
             <a:extLst>
               <a:ext uri="{FF2B5EF4-FFF2-40B4-BE49-F238E27FC236}">
-                <a16:creationId xmlns:a16="http://schemas.microsoft.com/office/drawing/2014/main" id="{28CF24D6-DAEB-4986-A2A4-7632DCC298C9}"/>
+                <a16:creationId xmlns:a16="http://schemas.microsoft.com/office/drawing/2014/main" id="{4AC12F7C-B08A-43F5-ABCD-086817504CC0}"/>
               </a:ext>
             </a:extLst>
           </p:cNvPr>
-          <p:cNvSpPr/>
-          <p:nvPr/>
-        </p:nvSpPr>
-        <p:spPr>
-          <a:xfrm>
-            <a:off x="3271847" y="3576440"/>
-            <a:ext cx="7347664" cy="1547447"/>
-          </a:xfrm>
-          <a:prstGeom prst="rect">
-            <a:avLst/>
-          </a:prstGeom>
-          <a:solidFill>
-            <a:schemeClr val="bg1"/>
-          </a:solidFill>
-          <a:ln>
-            <a:solidFill>
-              <a:schemeClr val="bg1"/>
-            </a:solidFill>
-          </a:ln>
-        </p:spPr>
-        <p:style>
-          <a:lnRef idx="2">
-            <a:schemeClr val="accent1">
-              <a:shade val="50000"/>
-            </a:schemeClr>
-          </a:lnRef>
-          <a:fillRef idx="1">
-            <a:schemeClr val="accent1"/>
-          </a:fillRef>
-          <a:effectRef idx="0">
-            <a:schemeClr val="accent1"/>
-          </a:effectRef>
-          <a:fontRef idx="minor">
-            <a:schemeClr val="lt1"/>
-          </a:fontRef>
-        </p:style>
-        <p:txBody>
-          <a:bodyPr rtlCol="0" anchor="ctr"/>
-          <a:lstStyle/>
-          <a:p>
-            <a:pPr marL="0" marR="0" lvl="0" indent="0" algn="ctr" defTabSz="914400" rtl="0" eaLnBrk="1" fontAlgn="auto" latinLnBrk="0" hangingPunct="1">
-              <a:lnSpc>
-                <a:spcPct val="100000"/>
-              </a:lnSpc>
-              <a:spcBef>
-                <a:spcPts val="0"/>
-              </a:spcBef>
-              <a:spcAft>
-                <a:spcPts val="0"/>
-              </a:spcAft>
-              <a:buClrTx/>
-              <a:buSzTx/>
-              <a:buFontTx/>
-              <a:buNone/>
-              <a:tabLst/>
-              <a:defRPr/>
-            </a:pPr>
-            <a:endParaRPr kumimoji="0" lang="nl-BE" sz="1800" b="0" i="0" u="none" strike="noStrike" kern="1200" cap="none" spc="0" normalizeH="0" baseline="0" noProof="0">
-              <a:ln>
-                <a:noFill/>
-              </a:ln>
-              <a:solidFill>
-                <a:prstClr val="white"/>
-              </a:solidFill>
-              <a:effectLst/>
-              <a:uLnTx/>
-              <a:uFillTx/>
-              <a:latin typeface="Calibri" panose="020F0502020204030204"/>
-              <a:ea typeface="+mn-ea"/>
-              <a:cs typeface="+mn-cs"/>
-            </a:endParaRPr>
-          </a:p>
-        </p:txBody>
-      </p:sp>
-      <p:sp>
-        <p:nvSpPr>
-          <p:cNvPr id="3" name="Tijdelijke aanduiding voor voettekst 2">
-            <a:extLst>
-              <a:ext uri="{FF2B5EF4-FFF2-40B4-BE49-F238E27FC236}">
-                <a16:creationId xmlns:a16="http://schemas.microsoft.com/office/drawing/2014/main" id="{6447759C-659B-472D-954A-BA18F60EDB75}"/>
-              </a:ext>
-            </a:extLst>
-          </p:cNvPr>
           <p:cNvSpPr>
             <a:spLocks noGrp="1"/>
           </p:cNvSpPr>
@@ -12963,7 +12511,7 @@
     </p:spTree>
     <p:extLst>
       <p:ext uri="{BB962C8B-B14F-4D97-AF65-F5344CB8AC3E}">
-        <p14:creationId xmlns:p14="http://schemas.microsoft.com/office/powerpoint/2010/main" val="494920847"/>
+        <p14:creationId xmlns:p14="http://schemas.microsoft.com/office/powerpoint/2010/main" val="1383035787"/>
       </p:ext>
     </p:extLst>
   </p:cSld>
@@ -13030,11 +12578,19 @@
           <a:p>
             <a:r>
               <a:rPr lang="en-IE" dirty="0"/>
-              <a:t>3° </a:t>
+              <a:t>1° </a:t>
             </a:r>
             <a:r>
               <a:rPr lang="en-IE" dirty="0" err="1"/>
-              <a:t>Iets</a:t>
+              <a:t>Variabele</a:t>
+            </a:r>
+            <a:r>
+              <a:rPr lang="en-IE" dirty="0"/>
+              <a:t> van het type </a:t>
+            </a:r>
+            <a:r>
+              <a:rPr lang="en-IE" dirty="0" err="1"/>
+              <a:t>SeaState</a:t>
             </a:r>
             <a:r>
               <a:rPr lang="en-IE" dirty="0"/>
@@ -13042,35 +12598,19 @@
             </a:r>
             <a:r>
               <a:rPr lang="en-IE" dirty="0" err="1"/>
-              <a:t>doen</a:t>
+              <a:t>aanmaken</a:t>
+            </a:r>
+            <a:r>
+              <a:rPr lang="en-IE" dirty="0"/>
+              <a:t>, </a:t>
+            </a:r>
+            <a:r>
+              <a:rPr lang="en-IE" dirty="0" err="1"/>
+              <a:t>genaamd</a:t>
             </a:r>
             <a:r>
               <a:rPr lang="en-IE" dirty="0"/>
               <a:t> </a:t>
-            </a:r>
-            <a:r>
-              <a:rPr lang="en-IE" dirty="0" err="1"/>
-              <a:t>afhankelijk</a:t>
-            </a:r>
-            <a:r>
-              <a:rPr lang="en-IE" dirty="0"/>
-              <a:t> van de </a:t>
-            </a:r>
-            <a:r>
-              <a:rPr lang="en-IE" dirty="0" err="1"/>
-              <a:t>huidige</a:t>
-            </a:r>
-            <a:r>
-              <a:rPr lang="en-IE" dirty="0"/>
-              <a:t> </a:t>
-            </a:r>
-            <a:r>
-              <a:rPr lang="en-IE" dirty="0" err="1"/>
-              <a:t>waarde</a:t>
-            </a:r>
-            <a:r>
-              <a:rPr lang="en-IE" dirty="0"/>
-              <a:t> van </a:t>
             </a:r>
             <a:r>
               <a:rPr lang="en-IE" dirty="0" err="1"/>
@@ -13215,13 +12755,96 @@
       </p:pic>
       <p:sp>
         <p:nvSpPr>
-          <p:cNvPr id="2" name="Tijdelijke aanduiding voor voettekst 1">
+          <p:cNvPr id="2" name="Rechthoek 1">
             <a:extLst>
               <a:ext uri="{FF2B5EF4-FFF2-40B4-BE49-F238E27FC236}">
-                <a16:creationId xmlns:a16="http://schemas.microsoft.com/office/drawing/2014/main" id="{9FF4CAF8-4858-49E6-9892-A0DBF63C3F56}"/>
+                <a16:creationId xmlns:a16="http://schemas.microsoft.com/office/drawing/2014/main" id="{28CF24D6-DAEB-4986-A2A4-7632DCC298C9}"/>
               </a:ext>
             </a:extLst>
           </p:cNvPr>
+          <p:cNvSpPr/>
+          <p:nvPr/>
+        </p:nvSpPr>
+        <p:spPr>
+          <a:xfrm>
+            <a:off x="3268033" y="3278854"/>
+            <a:ext cx="7347664" cy="1547447"/>
+          </a:xfrm>
+          <a:prstGeom prst="rect">
+            <a:avLst/>
+          </a:prstGeom>
+          <a:solidFill>
+            <a:schemeClr val="bg1"/>
+          </a:solidFill>
+          <a:ln>
+            <a:solidFill>
+              <a:schemeClr val="bg1"/>
+            </a:solidFill>
+          </a:ln>
+        </p:spPr>
+        <p:style>
+          <a:lnRef idx="2">
+            <a:schemeClr val="accent1">
+              <a:shade val="50000"/>
+            </a:schemeClr>
+          </a:lnRef>
+          <a:fillRef idx="1">
+            <a:schemeClr val="accent1"/>
+          </a:fillRef>
+          <a:effectRef idx="0">
+            <a:schemeClr val="accent1"/>
+          </a:effectRef>
+          <a:fontRef idx="minor">
+            <a:schemeClr val="lt1"/>
+          </a:fontRef>
+        </p:style>
+        <p:txBody>
+          <a:bodyPr rtlCol="0" anchor="ctr"/>
+          <a:lstStyle/>
+          <a:p>
+            <a:pPr marL="0" marR="0" lvl="0" indent="0" algn="ctr" defTabSz="914400" rtl="0" eaLnBrk="1" fontAlgn="auto" latinLnBrk="0" hangingPunct="1">
+              <a:lnSpc>
+                <a:spcPct val="100000"/>
+              </a:lnSpc>
+              <a:spcBef>
+                <a:spcPts val="0"/>
+              </a:spcBef>
+              <a:spcAft>
+                <a:spcPts val="0"/>
+              </a:spcAft>
+              <a:buClrTx/>
+              <a:buSzTx/>
+              <a:buFontTx/>
+              <a:buNone/>
+              <a:tabLst/>
+              <a:defRPr/>
+            </a:pPr>
+            <a:endParaRPr kumimoji="0" lang="nl-BE" sz="1800" b="0" i="0" u="none" strike="noStrike" kern="1200" cap="none" spc="0" normalizeH="0" baseline="0" noProof="0">
+              <a:ln>
+                <a:noFill/>
+              </a:ln>
+              <a:solidFill>
+                <a:prstClr val="white"/>
+              </a:solidFill>
+              <a:effectLst/>
+              <a:uLnTx/>
+              <a:uFillTx/>
+              <a:latin typeface="Calibri" panose="020F0502020204030204"/>
+              <a:ea typeface="+mn-ea"/>
+              <a:cs typeface="+mn-cs"/>
+            </a:endParaRPr>
+          </a:p>
+        </p:txBody>
+      </p:sp>
+      <p:sp>
+        <p:nvSpPr>
+          <p:cNvPr id="3" name="Tijdelijke aanduiding voor voettekst 2">
+            <a:extLst>
+              <a:ext uri="{FF2B5EF4-FFF2-40B4-BE49-F238E27FC236}">
+                <a16:creationId xmlns:a16="http://schemas.microsoft.com/office/drawing/2014/main" id="{25CA281A-4334-4672-82F7-A6A45B272574}"/>
+              </a:ext>
+            </a:extLst>
+          </p:cNvPr>
           <p:cNvSpPr>
             <a:spLocks noGrp="1"/>
           </p:cNvSpPr>
@@ -13244,7 +12867,7 @@
     </p:spTree>
     <p:extLst>
       <p:ext uri="{BB962C8B-B14F-4D97-AF65-F5344CB8AC3E}">
-        <p14:creationId xmlns:p14="http://schemas.microsoft.com/office/powerpoint/2010/main" val="4033307156"/>
+        <p14:creationId xmlns:p14="http://schemas.microsoft.com/office/powerpoint/2010/main" val="1780115741"/>
       </p:ext>
     </p:extLst>
   </p:cSld>
@@ -13273,7 +12896,7 @@
       </p:grpSpPr>
       <p:sp>
         <p:nvSpPr>
-          <p:cNvPr id="37890" name="Titel 1"/>
+          <p:cNvPr id="35842" name="Titel 1"/>
           <p:cNvSpPr>
             <a:spLocks noGrp="1"/>
           </p:cNvSpPr>
@@ -13287,15 +12910,16 @@
           <a:lstStyle/>
           <a:p>
             <a:r>
-              <a:rPr lang="en-IE"/>
-              <a:t>Nog een voorbeeld</a:t>
-            </a:r>
-          </a:p>
-        </p:txBody>
-      </p:sp>
-      <p:sp>
-        <p:nvSpPr>
-          <p:cNvPr id="37891" name="Tijdelijke aanduiding voor inhoud 2"/>
+              <a:rPr lang="en-IE" dirty="0" err="1"/>
+              <a:t>Slowmotion</a:t>
+            </a:r>
+            <a:endParaRPr lang="en-IE" dirty="0"/>
+          </a:p>
+        </p:txBody>
+      </p:sp>
+      <p:sp>
+        <p:nvSpPr>
+          <p:cNvPr id="35843" name="Tijdelijke aanduiding voor inhoud 2"/>
           <p:cNvSpPr>
             <a:spLocks noGrp="1"/>
           </p:cNvSpPr>
@@ -13308,7 +12932,69 @@
           <a:bodyPr/>
           <a:lstStyle/>
           <a:p>
-            <a:endParaRPr lang="en-IE"/>
+            <a:r>
+              <a:rPr lang="en-IE" dirty="0"/>
+              <a:t>2° </a:t>
+            </a:r>
+            <a:r>
+              <a:rPr lang="en-IE" dirty="0" err="1"/>
+              <a:t>Variabele</a:t>
+            </a:r>
+            <a:r>
+              <a:rPr lang="en-IE" dirty="0"/>
+              <a:t> </a:t>
+            </a:r>
+            <a:r>
+              <a:rPr lang="en-IE" dirty="0" err="1"/>
+              <a:t>openSea</a:t>
+            </a:r>
+            <a:r>
+              <a:rPr lang="en-IE" dirty="0"/>
+              <a:t> </a:t>
+            </a:r>
+            <a:r>
+              <a:rPr lang="en-IE" dirty="0" err="1"/>
+              <a:t>een</a:t>
+            </a:r>
+            <a:r>
+              <a:rPr lang="en-IE" dirty="0"/>
+              <a:t> </a:t>
+            </a:r>
+            <a:r>
+              <a:rPr lang="en-IE" dirty="0" err="1"/>
+              <a:t>waarde</a:t>
+            </a:r>
+            <a:r>
+              <a:rPr lang="en-IE" dirty="0"/>
+              <a:t> </a:t>
+            </a:r>
+            <a:r>
+              <a:rPr lang="en-IE" dirty="0" err="1"/>
+              <a:t>geven</a:t>
+            </a:r>
+            <a:r>
+              <a:rPr lang="en-IE" dirty="0"/>
+              <a:t>, </a:t>
+            </a:r>
+            <a:r>
+              <a:rPr lang="en-IE" dirty="0" err="1"/>
+              <a:t>nl</a:t>
+            </a:r>
+            <a:r>
+              <a:rPr lang="en-IE" dirty="0"/>
+              <a:t>. </a:t>
+            </a:r>
+            <a:r>
+              <a:rPr lang="en-IE" dirty="0" err="1"/>
+              <a:t>EmptySea</a:t>
+            </a:r>
+            <a:endParaRPr lang="en-IE" dirty="0"/>
+          </a:p>
+          <a:p>
+            <a:endParaRPr lang="en-IE" dirty="0"/>
+          </a:p>
+          <a:p>
+            <a:endParaRPr lang="en-IE" dirty="0"/>
           </a:p>
         </p:txBody>
       </p:sp>
@@ -13352,7 +13038,7 @@
               <a:tabLst/>
               <a:defRPr/>
             </a:pPr>
-            <a:fld id="{6AAC80E4-7A05-4F0D-BDB2-C513ECEBDD19}" type="slidenum">
+            <a:fld id="{E179F1F0-BC89-44EB-93B0-3A08951E9484}" type="slidenum">
               <a:rPr kumimoji="0" lang="nl-NL" sz="1200" b="0" i="0" u="none" strike="noStrike" kern="1200" cap="none" spc="0" normalizeH="0" baseline="0" noProof="0" smtClean="0">
                 <a:ln>
                   <a:noFill/>
@@ -13409,7 +13095,7 @@
       </p:sp>
       <p:pic>
         <p:nvPicPr>
-          <p:cNvPr id="37893" name="Picture 2"/>
+          <p:cNvPr id="35845" name="Picture 2"/>
           <p:cNvPicPr>
             <a:picLocks noChangeAspect="1" noChangeArrowheads="1"/>
           </p:cNvPicPr>
@@ -13424,8 +13110,8 @@
         </p:blipFill>
         <p:spPr bwMode="auto">
           <a:xfrm>
-            <a:off x="3621858" y="1383728"/>
-            <a:ext cx="5408612" cy="4610100"/>
+            <a:off x="3515092" y="2949246"/>
+            <a:ext cx="6861175" cy="1833563"/>
           </a:xfrm>
           <a:prstGeom prst="rect">
             <a:avLst/>
@@ -13441,13 +13127,96 @@
       </p:pic>
       <p:sp>
         <p:nvSpPr>
-          <p:cNvPr id="2" name="Tijdelijke aanduiding voor voettekst 1">
+          <p:cNvPr id="2" name="Rechthoek 1">
             <a:extLst>
               <a:ext uri="{FF2B5EF4-FFF2-40B4-BE49-F238E27FC236}">
-                <a16:creationId xmlns:a16="http://schemas.microsoft.com/office/drawing/2014/main" id="{27783235-57EC-4DA6-BB81-7E4D0F8E7554}"/>
+                <a16:creationId xmlns:a16="http://schemas.microsoft.com/office/drawing/2014/main" id="{28CF24D6-DAEB-4986-A2A4-7632DCC298C9}"/>
               </a:ext>
             </a:extLst>
           </p:cNvPr>
+          <p:cNvSpPr/>
+          <p:nvPr/>
+        </p:nvSpPr>
+        <p:spPr>
+          <a:xfrm>
+            <a:off x="3271847" y="3576440"/>
+            <a:ext cx="7347664" cy="1547447"/>
+          </a:xfrm>
+          <a:prstGeom prst="rect">
+            <a:avLst/>
+          </a:prstGeom>
+          <a:solidFill>
+            <a:schemeClr val="bg1"/>
+          </a:solidFill>
+          <a:ln>
+            <a:solidFill>
+              <a:schemeClr val="bg1"/>
+            </a:solidFill>
+          </a:ln>
+        </p:spPr>
+        <p:style>
+          <a:lnRef idx="2">
+            <a:schemeClr val="accent1">
+              <a:shade val="50000"/>
+            </a:schemeClr>
+          </a:lnRef>
+          <a:fillRef idx="1">
+            <a:schemeClr val="accent1"/>
+          </a:fillRef>
+          <a:effectRef idx="0">
+            <a:schemeClr val="accent1"/>
+          </a:effectRef>
+          <a:fontRef idx="minor">
+            <a:schemeClr val="lt1"/>
+          </a:fontRef>
+        </p:style>
+        <p:txBody>
+          <a:bodyPr rtlCol="0" anchor="ctr"/>
+          <a:lstStyle/>
+          <a:p>
+            <a:pPr marL="0" marR="0" lvl="0" indent="0" algn="ctr" defTabSz="914400" rtl="0" eaLnBrk="1" fontAlgn="auto" latinLnBrk="0" hangingPunct="1">
+              <a:lnSpc>
+                <a:spcPct val="100000"/>
+              </a:lnSpc>
+              <a:spcBef>
+                <a:spcPts val="0"/>
+              </a:spcBef>
+              <a:spcAft>
+                <a:spcPts val="0"/>
+              </a:spcAft>
+              <a:buClrTx/>
+              <a:buSzTx/>
+              <a:buFontTx/>
+              <a:buNone/>
+              <a:tabLst/>
+              <a:defRPr/>
+            </a:pPr>
+            <a:endParaRPr kumimoji="0" lang="nl-BE" sz="1800" b="0" i="0" u="none" strike="noStrike" kern="1200" cap="none" spc="0" normalizeH="0" baseline="0" noProof="0">
+              <a:ln>
+                <a:noFill/>
+              </a:ln>
+              <a:solidFill>
+                <a:prstClr val="white"/>
+              </a:solidFill>
+              <a:effectLst/>
+              <a:uLnTx/>
+              <a:uFillTx/>
+              <a:latin typeface="Calibri" panose="020F0502020204030204"/>
+              <a:ea typeface="+mn-ea"/>
+              <a:cs typeface="+mn-cs"/>
+            </a:endParaRPr>
+          </a:p>
+        </p:txBody>
+      </p:sp>
+      <p:sp>
+        <p:nvSpPr>
+          <p:cNvPr id="3" name="Tijdelijke aanduiding voor voettekst 2">
+            <a:extLst>
+              <a:ext uri="{FF2B5EF4-FFF2-40B4-BE49-F238E27FC236}">
+                <a16:creationId xmlns:a16="http://schemas.microsoft.com/office/drawing/2014/main" id="{6447759C-659B-472D-954A-BA18F60EDB75}"/>
+              </a:ext>
+            </a:extLst>
+          </p:cNvPr>
           <p:cNvSpPr>
             <a:spLocks noGrp="1"/>
           </p:cNvSpPr>
@@ -13470,7 +13239,7 @@
     </p:spTree>
     <p:extLst>
       <p:ext uri="{BB962C8B-B14F-4D97-AF65-F5344CB8AC3E}">
-        <p14:creationId xmlns:p14="http://schemas.microsoft.com/office/powerpoint/2010/main" val="2627233278"/>
+        <p14:creationId xmlns:p14="http://schemas.microsoft.com/office/powerpoint/2010/main" val="494920847"/>
       </p:ext>
     </p:extLst>
   </p:cSld>
@@ -14088,6 +13857,513 @@
       </p:grpSpPr>
       <p:sp>
         <p:nvSpPr>
+          <p:cNvPr id="35842" name="Titel 1"/>
+          <p:cNvSpPr>
+            <a:spLocks noGrp="1"/>
+          </p:cNvSpPr>
+          <p:nvPr>
+            <p:ph type="title"/>
+          </p:nvPr>
+        </p:nvSpPr>
+        <p:spPr/>
+        <p:txBody>
+          <a:bodyPr/>
+          <a:lstStyle/>
+          <a:p>
+            <a:r>
+              <a:rPr lang="en-IE" dirty="0" err="1"/>
+              <a:t>Slowmotion</a:t>
+            </a:r>
+            <a:endParaRPr lang="en-IE" dirty="0"/>
+          </a:p>
+        </p:txBody>
+      </p:sp>
+      <p:sp>
+        <p:nvSpPr>
+          <p:cNvPr id="35843" name="Tijdelijke aanduiding voor inhoud 2"/>
+          <p:cNvSpPr>
+            <a:spLocks noGrp="1"/>
+          </p:cNvSpPr>
+          <p:nvPr>
+            <p:ph idx="1"/>
+          </p:nvPr>
+        </p:nvSpPr>
+        <p:spPr/>
+        <p:txBody>
+          <a:bodyPr/>
+          <a:lstStyle/>
+          <a:p>
+            <a:r>
+              <a:rPr lang="en-IE" dirty="0"/>
+              <a:t>3° </a:t>
+            </a:r>
+            <a:r>
+              <a:rPr lang="en-IE" dirty="0" err="1"/>
+              <a:t>Iets</a:t>
+            </a:r>
+            <a:r>
+              <a:rPr lang="en-IE" dirty="0"/>
+              <a:t> </a:t>
+            </a:r>
+            <a:r>
+              <a:rPr lang="en-IE" dirty="0" err="1"/>
+              <a:t>doen</a:t>
+            </a:r>
+            <a:r>
+              <a:rPr lang="en-IE" dirty="0"/>
+              <a:t> </a:t>
+            </a:r>
+            <a:r>
+              <a:rPr lang="en-IE" dirty="0" err="1"/>
+              <a:t>afhankelijk</a:t>
+            </a:r>
+            <a:r>
+              <a:rPr lang="en-IE" dirty="0"/>
+              <a:t> van de </a:t>
+            </a:r>
+            <a:r>
+              <a:rPr lang="en-IE" dirty="0" err="1"/>
+              <a:t>huidige</a:t>
+            </a:r>
+            <a:r>
+              <a:rPr lang="en-IE" dirty="0"/>
+              <a:t> </a:t>
+            </a:r>
+            <a:r>
+              <a:rPr lang="en-IE" dirty="0" err="1"/>
+              <a:t>waarde</a:t>
+            </a:r>
+            <a:r>
+              <a:rPr lang="en-IE" dirty="0"/>
+              <a:t> van </a:t>
+            </a:r>
+            <a:r>
+              <a:rPr lang="en-IE" dirty="0" err="1"/>
+              <a:t>openSea</a:t>
+            </a:r>
+            <a:endParaRPr lang="en-IE" dirty="0"/>
+          </a:p>
+          <a:p>
+            <a:endParaRPr lang="en-IE" dirty="0"/>
+          </a:p>
+          <a:p>
+            <a:endParaRPr lang="en-IE" dirty="0"/>
+          </a:p>
+        </p:txBody>
+      </p:sp>
+      <p:sp>
+        <p:nvSpPr>
+          <p:cNvPr id="4" name="Tijdelijke aanduiding voor dianummer 3"/>
+          <p:cNvSpPr>
+            <a:spLocks noGrp="1"/>
+          </p:cNvSpPr>
+          <p:nvPr>
+            <p:ph type="sldNum" sz="quarter" idx="12"/>
+          </p:nvPr>
+        </p:nvSpPr>
+        <p:spPr>
+          <a:xfrm>
+            <a:off x="8042275" y="6470650"/>
+            <a:ext cx="2406650" cy="312738"/>
+          </a:xfrm>
+          <a:prstGeom prst="rect">
+            <a:avLst/>
+          </a:prstGeom>
+        </p:spPr>
+        <p:txBody>
+          <a:bodyPr/>
+          <a:lstStyle/>
+          <a:p>
+            <a:pPr marL="0" marR="0" lvl="0" indent="0" algn="r" defTabSz="914400" rtl="0" eaLnBrk="1" fontAlgn="auto" latinLnBrk="0" hangingPunct="1">
+              <a:lnSpc>
+                <a:spcPct val="100000"/>
+              </a:lnSpc>
+              <a:spcBef>
+                <a:spcPts val="0"/>
+              </a:spcBef>
+              <a:spcAft>
+                <a:spcPts val="0"/>
+              </a:spcAft>
+              <a:buClrTx/>
+              <a:buSzTx/>
+              <a:buFontTx/>
+              <a:buNone/>
+              <a:tabLst/>
+              <a:defRPr/>
+            </a:pPr>
+            <a:fld id="{E179F1F0-BC89-44EB-93B0-3A08951E9484}" type="slidenum">
+              <a:rPr kumimoji="0" lang="nl-NL" sz="1200" b="0" i="0" u="none" strike="noStrike" kern="1200" cap="none" spc="0" normalizeH="0" baseline="0" noProof="0" smtClean="0">
+                <a:ln>
+                  <a:noFill/>
+                </a:ln>
+                <a:solidFill>
+                  <a:prstClr val="black">
+                    <a:tint val="75000"/>
+                  </a:prstClr>
+                </a:solidFill>
+                <a:effectLst/>
+                <a:uLnTx/>
+                <a:uFillTx/>
+                <a:latin typeface="Calibri" panose="020F0502020204030204"/>
+                <a:ea typeface="+mn-ea"/>
+                <a:cs typeface="+mn-cs"/>
+              </a:rPr>
+              <a:pPr marL="0" marR="0" lvl="0" indent="0" algn="r" defTabSz="914400" rtl="0" eaLnBrk="1" fontAlgn="auto" latinLnBrk="0" hangingPunct="1">
+                <a:lnSpc>
+                  <a:spcPct val="100000"/>
+                </a:lnSpc>
+                <a:spcBef>
+                  <a:spcPts val="0"/>
+                </a:spcBef>
+                <a:spcAft>
+                  <a:spcPts val="0"/>
+                </a:spcAft>
+                <a:buClrTx/>
+                <a:buSzTx/>
+                <a:buFontTx/>
+                <a:buNone/>
+                <a:tabLst/>
+                <a:defRPr/>
+              </a:pPr>
+              <a:t>30</a:t>
+            </a:fld>
+            <a:endParaRPr kumimoji="0" lang="nl-NL" sz="1200" b="0" i="0" u="none" strike="noStrike" kern="1200" cap="none" spc="0" normalizeH="0" baseline="0" noProof="0" dirty="0">
+              <a:ln>
+                <a:noFill/>
+              </a:ln>
+              <a:solidFill>
+                <a:prstClr val="black">
+                  <a:tint val="75000"/>
+                </a:prstClr>
+              </a:solidFill>
+              <a:effectLst/>
+              <a:uLnTx/>
+              <a:uFillTx/>
+              <a:latin typeface="Calibri" panose="020F0502020204030204"/>
+              <a:ea typeface="+mn-ea"/>
+              <a:cs typeface="+mn-cs"/>
+            </a:endParaRPr>
+          </a:p>
+        </p:txBody>
+      </p:sp>
+      <p:pic>
+        <p:nvPicPr>
+          <p:cNvPr id="35845" name="Picture 2"/>
+          <p:cNvPicPr>
+            <a:picLocks noChangeAspect="1" noChangeArrowheads="1"/>
+          </p:cNvPicPr>
+          <p:nvPr/>
+        </p:nvPicPr>
+        <p:blipFill>
+          <a:blip r:embed="rId2" cstate="print"/>
+          <a:srcRect/>
+          <a:stretch>
+            <a:fillRect/>
+          </a:stretch>
+        </p:blipFill>
+        <p:spPr bwMode="auto">
+          <a:xfrm>
+            <a:off x="3515092" y="2949246"/>
+            <a:ext cx="6861175" cy="1833563"/>
+          </a:xfrm>
+          <a:prstGeom prst="rect">
+            <a:avLst/>
+          </a:prstGeom>
+          <a:noFill/>
+          <a:ln w="9525">
+            <a:noFill/>
+            <a:miter lim="800000"/>
+            <a:headEnd/>
+            <a:tailEnd/>
+          </a:ln>
+        </p:spPr>
+      </p:pic>
+      <p:sp>
+        <p:nvSpPr>
+          <p:cNvPr id="2" name="Tijdelijke aanduiding voor voettekst 1">
+            <a:extLst>
+              <a:ext uri="{FF2B5EF4-FFF2-40B4-BE49-F238E27FC236}">
+                <a16:creationId xmlns:a16="http://schemas.microsoft.com/office/drawing/2014/main" id="{9FF4CAF8-4858-49E6-9892-A0DBF63C3F56}"/>
+              </a:ext>
+            </a:extLst>
+          </p:cNvPr>
+          <p:cNvSpPr>
+            <a:spLocks noGrp="1"/>
+          </p:cNvSpPr>
+          <p:nvPr>
+            <p:ph type="ftr" sz="quarter" idx="11"/>
+          </p:nvPr>
+        </p:nvSpPr>
+        <p:spPr/>
+        <p:txBody>
+          <a:bodyPr/>
+          <a:lstStyle/>
+          <a:p>
+            <a:r>
+              <a:rPr lang="nl-BE"/>
+              <a:t>Ziescherp</a:t>
+            </a:r>
+          </a:p>
+        </p:txBody>
+      </p:sp>
+    </p:spTree>
+    <p:extLst>
+      <p:ext uri="{BB962C8B-B14F-4D97-AF65-F5344CB8AC3E}">
+        <p14:creationId xmlns:p14="http://schemas.microsoft.com/office/powerpoint/2010/main" val="4033307156"/>
+      </p:ext>
+    </p:extLst>
+  </p:cSld>
+  <p:clrMapOvr>
+    <a:masterClrMapping/>
+  </p:clrMapOvr>
+</p:sld>
+</file>
+
+<file path=ppt/slides/slide31.xml><?xml version="1.0" encoding="utf-8"?>
+<p:sld xmlns:a="http://schemas.openxmlformats.org/drawingml/2006/main" xmlns:r="http://schemas.openxmlformats.org/officeDocument/2006/relationships" xmlns:p="http://schemas.openxmlformats.org/presentationml/2006/main">
+  <p:cSld>
+    <p:spTree>
+      <p:nvGrpSpPr>
+        <p:cNvPr id="1" name=""/>
+        <p:cNvGrpSpPr/>
+        <p:nvPr/>
+      </p:nvGrpSpPr>
+      <p:grpSpPr>
+        <a:xfrm>
+          <a:off x="0" y="0"/>
+          <a:ext cx="0" cy="0"/>
+          <a:chOff x="0" y="0"/>
+          <a:chExt cx="0" cy="0"/>
+        </a:xfrm>
+      </p:grpSpPr>
+      <p:sp>
+        <p:nvSpPr>
+          <p:cNvPr id="37890" name="Titel 1"/>
+          <p:cNvSpPr>
+            <a:spLocks noGrp="1"/>
+          </p:cNvSpPr>
+          <p:nvPr>
+            <p:ph type="title"/>
+          </p:nvPr>
+        </p:nvSpPr>
+        <p:spPr/>
+        <p:txBody>
+          <a:bodyPr/>
+          <a:lstStyle/>
+          <a:p>
+            <a:r>
+              <a:rPr lang="en-IE"/>
+              <a:t>Nog een voorbeeld</a:t>
+            </a:r>
+          </a:p>
+        </p:txBody>
+      </p:sp>
+      <p:sp>
+        <p:nvSpPr>
+          <p:cNvPr id="37891" name="Tijdelijke aanduiding voor inhoud 2"/>
+          <p:cNvSpPr>
+            <a:spLocks noGrp="1"/>
+          </p:cNvSpPr>
+          <p:nvPr>
+            <p:ph idx="1"/>
+          </p:nvPr>
+        </p:nvSpPr>
+        <p:spPr/>
+        <p:txBody>
+          <a:bodyPr/>
+          <a:lstStyle/>
+          <a:p>
+            <a:endParaRPr lang="en-IE"/>
+          </a:p>
+        </p:txBody>
+      </p:sp>
+      <p:sp>
+        <p:nvSpPr>
+          <p:cNvPr id="4" name="Tijdelijke aanduiding voor dianummer 3"/>
+          <p:cNvSpPr>
+            <a:spLocks noGrp="1"/>
+          </p:cNvSpPr>
+          <p:nvPr>
+            <p:ph type="sldNum" sz="quarter" idx="12"/>
+          </p:nvPr>
+        </p:nvSpPr>
+        <p:spPr>
+          <a:xfrm>
+            <a:off x="8042275" y="6470650"/>
+            <a:ext cx="2406650" cy="312738"/>
+          </a:xfrm>
+          <a:prstGeom prst="rect">
+            <a:avLst/>
+          </a:prstGeom>
+        </p:spPr>
+        <p:txBody>
+          <a:bodyPr/>
+          <a:lstStyle/>
+          <a:p>
+            <a:pPr marL="0" marR="0" lvl="0" indent="0" algn="r" defTabSz="914400" rtl="0" eaLnBrk="1" fontAlgn="auto" latinLnBrk="0" hangingPunct="1">
+              <a:lnSpc>
+                <a:spcPct val="100000"/>
+              </a:lnSpc>
+              <a:spcBef>
+                <a:spcPts val="0"/>
+              </a:spcBef>
+              <a:spcAft>
+                <a:spcPts val="0"/>
+              </a:spcAft>
+              <a:buClrTx/>
+              <a:buSzTx/>
+              <a:buFontTx/>
+              <a:buNone/>
+              <a:tabLst/>
+              <a:defRPr/>
+            </a:pPr>
+            <a:fld id="{6AAC80E4-7A05-4F0D-BDB2-C513ECEBDD19}" type="slidenum">
+              <a:rPr kumimoji="0" lang="nl-NL" sz="1200" b="0" i="0" u="none" strike="noStrike" kern="1200" cap="none" spc="0" normalizeH="0" baseline="0" noProof="0" smtClean="0">
+                <a:ln>
+                  <a:noFill/>
+                </a:ln>
+                <a:solidFill>
+                  <a:prstClr val="black">
+                    <a:tint val="75000"/>
+                  </a:prstClr>
+                </a:solidFill>
+                <a:effectLst/>
+                <a:uLnTx/>
+                <a:uFillTx/>
+                <a:latin typeface="Calibri" panose="020F0502020204030204"/>
+                <a:ea typeface="+mn-ea"/>
+                <a:cs typeface="+mn-cs"/>
+              </a:rPr>
+              <a:pPr marL="0" marR="0" lvl="0" indent="0" algn="r" defTabSz="914400" rtl="0" eaLnBrk="1" fontAlgn="auto" latinLnBrk="0" hangingPunct="1">
+                <a:lnSpc>
+                  <a:spcPct val="100000"/>
+                </a:lnSpc>
+                <a:spcBef>
+                  <a:spcPts val="0"/>
+                </a:spcBef>
+                <a:spcAft>
+                  <a:spcPts val="0"/>
+                </a:spcAft>
+                <a:buClrTx/>
+                <a:buSzTx/>
+                <a:buFontTx/>
+                <a:buNone/>
+                <a:tabLst/>
+                <a:defRPr/>
+              </a:pPr>
+              <a:t>31</a:t>
+            </a:fld>
+            <a:endParaRPr kumimoji="0" lang="nl-NL" sz="1200" b="0" i="0" u="none" strike="noStrike" kern="1200" cap="none" spc="0" normalizeH="0" baseline="0" noProof="0" dirty="0">
+              <a:ln>
+                <a:noFill/>
+              </a:ln>
+              <a:solidFill>
+                <a:prstClr val="black">
+                  <a:tint val="75000"/>
+                </a:prstClr>
+              </a:solidFill>
+              <a:effectLst/>
+              <a:uLnTx/>
+              <a:uFillTx/>
+              <a:latin typeface="Calibri" panose="020F0502020204030204"/>
+              <a:ea typeface="+mn-ea"/>
+              <a:cs typeface="+mn-cs"/>
+            </a:endParaRPr>
+          </a:p>
+        </p:txBody>
+      </p:sp>
+      <p:pic>
+        <p:nvPicPr>
+          <p:cNvPr id="37893" name="Picture 2"/>
+          <p:cNvPicPr>
+            <a:picLocks noChangeAspect="1" noChangeArrowheads="1"/>
+          </p:cNvPicPr>
+          <p:nvPr/>
+        </p:nvPicPr>
+        <p:blipFill>
+          <a:blip r:embed="rId2" cstate="print"/>
+          <a:srcRect/>
+          <a:stretch>
+            <a:fillRect/>
+          </a:stretch>
+        </p:blipFill>
+        <p:spPr bwMode="auto">
+          <a:xfrm>
+            <a:off x="3621858" y="1383728"/>
+            <a:ext cx="5408612" cy="4610100"/>
+          </a:xfrm>
+          <a:prstGeom prst="rect">
+            <a:avLst/>
+          </a:prstGeom>
+          <a:noFill/>
+          <a:ln w="9525">
+            <a:noFill/>
+            <a:miter lim="800000"/>
+            <a:headEnd/>
+            <a:tailEnd/>
+          </a:ln>
+        </p:spPr>
+      </p:pic>
+      <p:sp>
+        <p:nvSpPr>
+          <p:cNvPr id="2" name="Tijdelijke aanduiding voor voettekst 1">
+            <a:extLst>
+              <a:ext uri="{FF2B5EF4-FFF2-40B4-BE49-F238E27FC236}">
+                <a16:creationId xmlns:a16="http://schemas.microsoft.com/office/drawing/2014/main" id="{27783235-57EC-4DA6-BB81-7E4D0F8E7554}"/>
+              </a:ext>
+            </a:extLst>
+          </p:cNvPr>
+          <p:cNvSpPr>
+            <a:spLocks noGrp="1"/>
+          </p:cNvSpPr>
+          <p:nvPr>
+            <p:ph type="ftr" sz="quarter" idx="11"/>
+          </p:nvPr>
+        </p:nvSpPr>
+        <p:spPr/>
+        <p:txBody>
+          <a:bodyPr/>
+          <a:lstStyle/>
+          <a:p>
+            <a:r>
+              <a:rPr lang="nl-BE"/>
+              <a:t>Ziescherp</a:t>
+            </a:r>
+          </a:p>
+        </p:txBody>
+      </p:sp>
+    </p:spTree>
+    <p:extLst>
+      <p:ext uri="{BB962C8B-B14F-4D97-AF65-F5344CB8AC3E}">
+        <p14:creationId xmlns:p14="http://schemas.microsoft.com/office/powerpoint/2010/main" val="2627233278"/>
+      </p:ext>
+    </p:extLst>
+  </p:cSld>
+  <p:clrMapOvr>
+    <a:masterClrMapping/>
+  </p:clrMapOvr>
+</p:sld>
+</file>
+
+<file path=ppt/slides/slide32.xml><?xml version="1.0" encoding="utf-8"?>
+<p:sld xmlns:a="http://schemas.openxmlformats.org/drawingml/2006/main" xmlns:r="http://schemas.openxmlformats.org/officeDocument/2006/relationships" xmlns:p="http://schemas.openxmlformats.org/presentationml/2006/main">
+  <p:cSld>
+    <p:spTree>
+      <p:nvGrpSpPr>
+        <p:cNvPr id="1" name=""/>
+        <p:cNvGrpSpPr/>
+        <p:nvPr/>
+      </p:nvGrpSpPr>
+      <p:grpSpPr>
+        <a:xfrm>
+          <a:off x="0" y="0"/>
+          <a:ext cx="0" cy="0"/>
+          <a:chOff x="0" y="0"/>
+          <a:chExt cx="0" cy="0"/>
+        </a:xfrm>
+      </p:grpSpPr>
+      <p:sp>
+        <p:nvSpPr>
           <p:cNvPr id="38914" name="Titel 1"/>
           <p:cNvSpPr>
             <a:spLocks noGrp="1"/>
@@ -14377,7 +14653,7 @@
                 <a:tabLst/>
                 <a:defRPr/>
               </a:pPr>
-              <a:t>30</a:t>
+              <a:t>32</a:t>
             </a:fld>
             <a:endParaRPr kumimoji="0" lang="nl-NL" sz="1200" b="0" i="0" u="none" strike="noStrike" kern="1200" cap="none" spc="0" normalizeH="0" baseline="0" noProof="0" dirty="0">
               <a:ln>
@@ -14685,7 +14961,7 @@
 </p:sld>
 </file>
 
-<file path=ppt/slides/slide31.xml><?xml version="1.0" encoding="utf-8"?>
+<file path=ppt/slides/slide33.xml><?xml version="1.0" encoding="utf-8"?>
 <p:sld xmlns:a="http://schemas.openxmlformats.org/drawingml/2006/main" xmlns:r="http://schemas.openxmlformats.org/officeDocument/2006/relationships" xmlns:p="http://schemas.openxmlformats.org/presentationml/2006/main">
   <p:cSld>
     <p:spTree>
@@ -14844,7 +15120,7 @@
                 <a:tabLst/>
                 <a:defRPr/>
               </a:pPr>
-              <a:t>31</a:t>
+              <a:t>33</a:t>
             </a:fld>
             <a:endParaRPr kumimoji="0" lang="nl-NL" sz="1200" b="0" i="0" u="none" strike="noStrike" kern="1200" cap="none" spc="0" normalizeH="0" baseline="0" noProof="0" dirty="0">
               <a:ln>
@@ -14966,7 +15242,7 @@
 </p:sld>
 </file>
 
-<file path=ppt/slides/slide32.xml><?xml version="1.0" encoding="utf-8"?>
+<file path=ppt/slides/slide34.xml><?xml version="1.0" encoding="utf-8"?>
 <p:sld xmlns:a="http://schemas.openxmlformats.org/drawingml/2006/main" xmlns:r="http://schemas.openxmlformats.org/officeDocument/2006/relationships" xmlns:p="http://schemas.openxmlformats.org/presentationml/2006/main">
   <p:cSld>
     <p:spTree>
@@ -15148,7 +15424,7 @@
                 <a:tabLst/>
                 <a:defRPr/>
               </a:pPr>
-              <a:t>32</a:t>
+              <a:t>34</a:t>
             </a:fld>
             <a:endParaRPr kumimoji="0" lang="nl-NL" sz="1200" b="0" i="0" u="none" strike="noStrike" kern="1200" cap="none" spc="0" normalizeH="0" baseline="0" noProof="0" dirty="0">
               <a:ln>
@@ -15210,7 +15486,7 @@
 </p:sld>
 </file>
 
-<file path=ppt/slides/slide33.xml><?xml version="1.0" encoding="utf-8"?>
+<file path=ppt/slides/slide35.xml><?xml version="1.0" encoding="utf-8"?>
 <p:sld xmlns:a="http://schemas.openxmlformats.org/drawingml/2006/main" xmlns:r="http://schemas.openxmlformats.org/officeDocument/2006/relationships" xmlns:p="http://schemas.openxmlformats.org/presentationml/2006/main">
   <p:cSld>
     <p:bg>
@@ -15346,7 +15622,7 @@
                 </a:spcAft>
                 <a:defRPr/>
               </a:pPr>
-              <a:t>33</a:t>
+              <a:t>35</a:t>
             </a:fld>
             <a:endParaRPr lang="en-US">
               <a:solidFill>
@@ -15700,6 +15976,63 @@
           </a:p>
         </p:txBody>
       </p:sp>
+      <p:sp>
+        <p:nvSpPr>
+          <p:cNvPr id="2" name="Tijdelijke aanduiding voor voettekst 1">
+            <a:extLst>
+              <a:ext uri="{FF2B5EF4-FFF2-40B4-BE49-F238E27FC236}">
+                <a16:creationId xmlns:a16="http://schemas.microsoft.com/office/drawing/2014/main" id="{662E265C-7C85-4592-88C1-8CB1753D60B0}"/>
+              </a:ext>
+            </a:extLst>
+          </p:cNvPr>
+          <p:cNvSpPr>
+            <a:spLocks noGrp="1"/>
+          </p:cNvSpPr>
+          <p:nvPr>
+            <p:ph type="ftr" sz="quarter" idx="11"/>
+          </p:nvPr>
+        </p:nvSpPr>
+        <p:spPr/>
+        <p:txBody>
+          <a:bodyPr/>
+          <a:lstStyle/>
+          <a:p>
+            <a:r>
+              <a:rPr lang="nl-BE"/>
+              <a:t>Ziescherp</a:t>
+            </a:r>
+          </a:p>
+        </p:txBody>
+      </p:sp>
+      <p:sp>
+        <p:nvSpPr>
+          <p:cNvPr id="3" name="Tijdelijke aanduiding voor dianummer 2">
+            <a:extLst>
+              <a:ext uri="{FF2B5EF4-FFF2-40B4-BE49-F238E27FC236}">
+                <a16:creationId xmlns:a16="http://schemas.microsoft.com/office/drawing/2014/main" id="{C0A29DEE-89A5-4F3E-BADE-91C48CAEB331}"/>
+              </a:ext>
+            </a:extLst>
+          </p:cNvPr>
+          <p:cNvSpPr>
+            <a:spLocks noGrp="1"/>
+          </p:cNvSpPr>
+          <p:nvPr>
+            <p:ph type="sldNum" sz="quarter" idx="12"/>
+          </p:nvPr>
+        </p:nvSpPr>
+        <p:spPr/>
+        <p:txBody>
+          <a:bodyPr/>
+          <a:lstStyle/>
+          <a:p>
+            <a:fld id="{26F5612F-804E-460E-88BF-7B183C058243}" type="slidenum">
+              <a:rPr lang="nl-BE" smtClean="0"/>
+              <a:t>4</a:t>
+            </a:fld>
+            <a:endParaRPr lang="nl-BE"/>
+          </a:p>
+        </p:txBody>
+      </p:sp>
       <p:pic>
         <p:nvPicPr>
           <p:cNvPr id="272389" name="Picture 5"/>
@@ -15754,63 +16087,6 @@
           </a:extLst>
         </p:spPr>
       </p:pic>
-      <p:sp>
-        <p:nvSpPr>
-          <p:cNvPr id="2" name="Tijdelijke aanduiding voor voettekst 1">
-            <a:extLst>
-              <a:ext uri="{FF2B5EF4-FFF2-40B4-BE49-F238E27FC236}">
-                <a16:creationId xmlns:a16="http://schemas.microsoft.com/office/drawing/2014/main" id="{662E265C-7C85-4592-88C1-8CB1753D60B0}"/>
-              </a:ext>
-            </a:extLst>
-          </p:cNvPr>
-          <p:cNvSpPr>
-            <a:spLocks noGrp="1"/>
-          </p:cNvSpPr>
-          <p:nvPr>
-            <p:ph type="ftr" sz="quarter" idx="11"/>
-          </p:nvPr>
-        </p:nvSpPr>
-        <p:spPr/>
-        <p:txBody>
-          <a:bodyPr/>
-          <a:lstStyle/>
-          <a:p>
-            <a:r>
-              <a:rPr lang="nl-BE"/>
-              <a:t>Ziescherp</a:t>
-            </a:r>
-          </a:p>
-        </p:txBody>
-      </p:sp>
-      <p:sp>
-        <p:nvSpPr>
-          <p:cNvPr id="3" name="Tijdelijke aanduiding voor dianummer 2">
-            <a:extLst>
-              <a:ext uri="{FF2B5EF4-FFF2-40B4-BE49-F238E27FC236}">
-                <a16:creationId xmlns:a16="http://schemas.microsoft.com/office/drawing/2014/main" id="{C0A29DEE-89A5-4F3E-BADE-91C48CAEB331}"/>
-              </a:ext>
-            </a:extLst>
-          </p:cNvPr>
-          <p:cNvSpPr>
-            <a:spLocks noGrp="1"/>
-          </p:cNvSpPr>
-          <p:nvPr>
-            <p:ph type="sldNum" sz="quarter" idx="12"/>
-          </p:nvPr>
-        </p:nvSpPr>
-        <p:spPr/>
-        <p:txBody>
-          <a:bodyPr/>
-          <a:lstStyle/>
-          <a:p>
-            <a:fld id="{26F5612F-804E-460E-88BF-7B183C058243}" type="slidenum">
-              <a:rPr lang="nl-BE" smtClean="0"/>
-              <a:t>4</a:t>
-            </a:fld>
-            <a:endParaRPr lang="nl-BE"/>
-          </a:p>
-        </p:txBody>
-      </p:sp>
     </p:spTree>
     <p:extLst>
       <p:ext uri="{BB962C8B-B14F-4D97-AF65-F5344CB8AC3E}">
@@ -16307,6 +16583,63 @@
           </a:extLst>
         </p:spPr>
       </p:pic>
+      <p:sp>
+        <p:nvSpPr>
+          <p:cNvPr id="2" name="Tijdelijke aanduiding voor voettekst 1">
+            <a:extLst>
+              <a:ext uri="{FF2B5EF4-FFF2-40B4-BE49-F238E27FC236}">
+                <a16:creationId xmlns:a16="http://schemas.microsoft.com/office/drawing/2014/main" id="{C4F21E65-F17A-4234-966F-58DC95F661D2}"/>
+              </a:ext>
+            </a:extLst>
+          </p:cNvPr>
+          <p:cNvSpPr>
+            <a:spLocks noGrp="1"/>
+          </p:cNvSpPr>
+          <p:nvPr>
+            <p:ph type="ftr" sz="quarter" idx="11"/>
+          </p:nvPr>
+        </p:nvSpPr>
+        <p:spPr/>
+        <p:txBody>
+          <a:bodyPr/>
+          <a:lstStyle/>
+          <a:p>
+            <a:r>
+              <a:rPr lang="nl-BE"/>
+              <a:t>Ziescherp</a:t>
+            </a:r>
+          </a:p>
+        </p:txBody>
+      </p:sp>
+      <p:sp>
+        <p:nvSpPr>
+          <p:cNvPr id="4" name="Tijdelijke aanduiding voor dianummer 3">
+            <a:extLst>
+              <a:ext uri="{FF2B5EF4-FFF2-40B4-BE49-F238E27FC236}">
+                <a16:creationId xmlns:a16="http://schemas.microsoft.com/office/drawing/2014/main" id="{D9A61F7B-746B-4666-B1CA-DABE18CD1816}"/>
+              </a:ext>
+            </a:extLst>
+          </p:cNvPr>
+          <p:cNvSpPr>
+            <a:spLocks noGrp="1"/>
+          </p:cNvSpPr>
+          <p:nvPr>
+            <p:ph type="sldNum" sz="quarter" idx="12"/>
+          </p:nvPr>
+        </p:nvSpPr>
+        <p:spPr/>
+        <p:txBody>
+          <a:bodyPr/>
+          <a:lstStyle/>
+          <a:p>
+            <a:fld id="{26F5612F-804E-460E-88BF-7B183C058243}" type="slidenum">
+              <a:rPr lang="nl-BE" smtClean="0"/>
+              <a:t>5</a:t>
+            </a:fld>
+            <a:endParaRPr lang="nl-BE"/>
+          </a:p>
+        </p:txBody>
+      </p:sp>
       <p:pic>
         <p:nvPicPr>
           <p:cNvPr id="273410" name="Picture 2"/>
@@ -16361,63 +16694,6 @@
           </a:extLst>
         </p:spPr>
       </p:pic>
-      <p:sp>
-        <p:nvSpPr>
-          <p:cNvPr id="2" name="Tijdelijke aanduiding voor voettekst 1">
-            <a:extLst>
-              <a:ext uri="{FF2B5EF4-FFF2-40B4-BE49-F238E27FC236}">
-                <a16:creationId xmlns:a16="http://schemas.microsoft.com/office/drawing/2014/main" id="{C4F21E65-F17A-4234-966F-58DC95F661D2}"/>
-              </a:ext>
-            </a:extLst>
-          </p:cNvPr>
-          <p:cNvSpPr>
-            <a:spLocks noGrp="1"/>
-          </p:cNvSpPr>
-          <p:nvPr>
-            <p:ph type="ftr" sz="quarter" idx="11"/>
-          </p:nvPr>
-        </p:nvSpPr>
-        <p:spPr/>
-        <p:txBody>
-          <a:bodyPr/>
-          <a:lstStyle/>
-          <a:p>
-            <a:r>
-              <a:rPr lang="nl-BE"/>
-              <a:t>Ziescherp</a:t>
-            </a:r>
-          </a:p>
-        </p:txBody>
-      </p:sp>
-      <p:sp>
-        <p:nvSpPr>
-          <p:cNvPr id="4" name="Tijdelijke aanduiding voor dianummer 3">
-            <a:extLst>
-              <a:ext uri="{FF2B5EF4-FFF2-40B4-BE49-F238E27FC236}">
-                <a16:creationId xmlns:a16="http://schemas.microsoft.com/office/drawing/2014/main" id="{D9A61F7B-746B-4666-B1CA-DABE18CD1816}"/>
-              </a:ext>
-            </a:extLst>
-          </p:cNvPr>
-          <p:cNvSpPr>
-            <a:spLocks noGrp="1"/>
-          </p:cNvSpPr>
-          <p:nvPr>
-            <p:ph type="sldNum" sz="quarter" idx="12"/>
-          </p:nvPr>
-        </p:nvSpPr>
-        <p:spPr/>
-        <p:txBody>
-          <a:bodyPr/>
-          <a:lstStyle/>
-          <a:p>
-            <a:fld id="{26F5612F-804E-460E-88BF-7B183C058243}" type="slidenum">
-              <a:rPr lang="nl-BE" smtClean="0"/>
-              <a:t>5</a:t>
-            </a:fld>
-            <a:endParaRPr lang="nl-BE"/>
-          </a:p>
-        </p:txBody>
-      </p:sp>
     </p:spTree>
     <p:extLst>
       <p:ext uri="{BB962C8B-B14F-4D97-AF65-F5344CB8AC3E}">
